--- a/CLP_2.pptx
+++ b/CLP_2.pptx
@@ -3,24 +3,391 @@
 <p:presentation xmlns:a="http://schemas.openxmlformats.org/drawingml/2006/main" xmlns:p="http://schemas.openxmlformats.org/presentationml/2006/main" xmlns:r="http://schemas.openxmlformats.org/officeDocument/2006/relationships" xmlns:p14="http://schemas.microsoft.com/office/powerpoint/2010/main" xmlns:p15="http://schemas.microsoft.com/office/powerpoint/2012/main" xmlns:mc="http://schemas.openxmlformats.org/markup-compatibility/2006">
   <p:sldMasterIdLst>
     <p:sldMasterId id="2147483648" r:id="rId2"/>
+    <p:sldMasterId id="2147483661" r:id="rId3"/>
   </p:sldMasterIdLst>
+  <p:notesMasterIdLst>
+    <p:notesMasterId r:id="rId4"/>
+  </p:notesMasterIdLst>
   <p:sldIdLst>
-    <p:sldId id="256" r:id="rId3"/>
-    <p:sldId id="257" r:id="rId4"/>
-    <p:sldId id="258" r:id="rId5"/>
-    <p:sldId id="259" r:id="rId6"/>
-    <p:sldId id="260" r:id="rId7"/>
-    <p:sldId id="261" r:id="rId8"/>
-    <p:sldId id="262" r:id="rId9"/>
-    <p:sldId id="263" r:id="rId10"/>
-    <p:sldId id="264" r:id="rId11"/>
-    <p:sldId id="265" r:id="rId12"/>
-    <p:sldId id="266" r:id="rId13"/>
-    <p:sldId id="267" r:id="rId14"/>
+    <p:sldId id="256" r:id="rId5"/>
+    <p:sldId id="257" r:id="rId6"/>
+    <p:sldId id="258" r:id="rId7"/>
+    <p:sldId id="259" r:id="rId8"/>
+    <p:sldId id="260" r:id="rId9"/>
+    <p:sldId id="261" r:id="rId10"/>
+    <p:sldId id="262" r:id="rId11"/>
+    <p:sldId id="263" r:id="rId12"/>
+    <p:sldId id="264" r:id="rId13"/>
+    <p:sldId id="265" r:id="rId14"/>
+    <p:sldId id="266" r:id="rId15"/>
+    <p:sldId id="267" r:id="rId16"/>
+    <p:sldId id="268" r:id="rId17"/>
+    <p:sldId id="269" r:id="rId18"/>
+    <p:sldId id="270" r:id="rId19"/>
   </p:sldIdLst>
   <p:sldSz cx="10080625" cy="5670550"/>
   <p:notesSz cx="7559675" cy="10691812"/>
 </p:presentation>
+</file>
+
+<file path=ppt/notesMasters/notesMaster1.xml><?xml version="1.0" encoding="utf-8"?>
+<p:notesMaster xmlns:a="http://schemas.openxmlformats.org/drawingml/2006/main" xmlns:p="http://schemas.openxmlformats.org/presentationml/2006/main" xmlns:r="http://schemas.openxmlformats.org/officeDocument/2006/relationships" xmlns:p14="http://schemas.microsoft.com/office/powerpoint/2010/main" xmlns:p15="http://schemas.microsoft.com/office/powerpoint/2012/main" xmlns:mc="http://schemas.openxmlformats.org/markup-compatibility/2006">
+  <p:cSld>
+    <p:spTree>
+      <p:nvGrpSpPr>
+        <p:cNvPr id="1" name=""/>
+        <p:cNvGrpSpPr/>
+        <p:nvPr/>
+      </p:nvGrpSpPr>
+      <p:grpSpPr>
+        <a:xfrm>
+          <a:off x="0" y="0"/>
+          <a:ext cx="0" cy="0"/>
+          <a:chOff x="0" y="0"/>
+          <a:chExt cx="0" cy="0"/>
+        </a:xfrm>
+      </p:grpSpPr>
+      <p:sp>
+        <p:nvSpPr>
+          <p:cNvPr id="79" name="PlaceHolder 1"/>
+          <p:cNvSpPr>
+            <a:spLocks noGrp="1"/>
+          </p:cNvSpPr>
+          <p:nvPr>
+            <p:ph type="sldImg"/>
+          </p:nvPr>
+        </p:nvSpPr>
+        <p:spPr>
+          <a:xfrm>
+            <a:off x="216000" y="812520"/>
+            <a:ext cx="7127280" cy="4008960"/>
+          </a:xfrm>
+          <a:prstGeom prst="rect">
+            <a:avLst/>
+          </a:prstGeom>
+        </p:spPr>
+        <p:txBody>
+          <a:bodyPr lIns="0" rIns="0" tIns="0" bIns="0" anchor="ctr">
+            <a:noAutofit/>
+          </a:bodyPr>
+          <a:p>
+            <a:pPr algn="ctr"/>
+            <a:r>
+              <a:rPr b="0" lang="fr-CH" sz="4400" spc="-1" strike="noStrike">
+                <a:latin typeface="Arial"/>
+              </a:rPr>
+              <a:t>Cliquez pour déplacer la diapo</a:t>
+            </a:r>
+            <a:endParaRPr b="0" lang="fr-CH" sz="4400" spc="-1" strike="noStrike">
+              <a:latin typeface="Arial"/>
+            </a:endParaRPr>
+          </a:p>
+        </p:txBody>
+      </p:sp>
+      <p:sp>
+        <p:nvSpPr>
+          <p:cNvPr id="80" name="PlaceHolder 2"/>
+          <p:cNvSpPr>
+            <a:spLocks noGrp="1"/>
+          </p:cNvSpPr>
+          <p:nvPr>
+            <p:ph type="body"/>
+          </p:nvPr>
+        </p:nvSpPr>
+        <p:spPr>
+          <a:xfrm>
+            <a:off x="756000" y="5078520"/>
+            <a:ext cx="6047640" cy="4811040"/>
+          </a:xfrm>
+          <a:prstGeom prst="rect">
+            <a:avLst/>
+          </a:prstGeom>
+        </p:spPr>
+        <p:txBody>
+          <a:bodyPr lIns="0" rIns="0" tIns="0" bIns="0">
+            <a:noAutofit/>
+          </a:bodyPr>
+          <a:p>
+            <a:r>
+              <a:rPr b="0" lang="fr-CH" sz="2000" spc="-1" strike="noStrike">
+                <a:latin typeface="Arial"/>
+              </a:rPr>
+              <a:t>Cliquez pour modifier le format des notes</a:t>
+            </a:r>
+            <a:endParaRPr b="0" lang="fr-CH" sz="2000" spc="-1" strike="noStrike">
+              <a:latin typeface="Arial"/>
+            </a:endParaRPr>
+          </a:p>
+        </p:txBody>
+      </p:sp>
+      <p:sp>
+        <p:nvSpPr>
+          <p:cNvPr id="81" name="PlaceHolder 3"/>
+          <p:cNvSpPr>
+            <a:spLocks noGrp="1"/>
+          </p:cNvSpPr>
+          <p:nvPr>
+            <p:ph type="hdr"/>
+          </p:nvPr>
+        </p:nvSpPr>
+        <p:spPr>
+          <a:xfrm>
+            <a:off x="0" y="0"/>
+            <a:ext cx="3280680" cy="534240"/>
+          </a:xfrm>
+          <a:prstGeom prst="rect">
+            <a:avLst/>
+          </a:prstGeom>
+        </p:spPr>
+        <p:txBody>
+          <a:bodyPr lIns="0" rIns="0" tIns="0" bIns="0">
+            <a:noAutofit/>
+          </a:bodyPr>
+          <a:p>
+            <a:r>
+              <a:rPr b="0" lang="fr-CH" sz="1400" spc="-1" strike="noStrike">
+                <a:latin typeface="Times New Roman"/>
+              </a:rPr>
+              <a:t>&lt;en-tête&gt;</a:t>
+            </a:r>
+            <a:endParaRPr b="0" lang="fr-CH" sz="1400" spc="-1" strike="noStrike">
+              <a:latin typeface="Times New Roman"/>
+            </a:endParaRPr>
+          </a:p>
+        </p:txBody>
+      </p:sp>
+      <p:sp>
+        <p:nvSpPr>
+          <p:cNvPr id="82" name="PlaceHolder 4"/>
+          <p:cNvSpPr>
+            <a:spLocks noGrp="1"/>
+          </p:cNvSpPr>
+          <p:nvPr>
+            <p:ph type="dt"/>
+          </p:nvPr>
+        </p:nvSpPr>
+        <p:spPr>
+          <a:xfrm>
+            <a:off x="4278960" y="0"/>
+            <a:ext cx="3280680" cy="534240"/>
+          </a:xfrm>
+          <a:prstGeom prst="rect">
+            <a:avLst/>
+          </a:prstGeom>
+        </p:spPr>
+        <p:txBody>
+          <a:bodyPr lIns="0" rIns="0" tIns="0" bIns="0">
+            <a:noAutofit/>
+          </a:bodyPr>
+          <a:p>
+            <a:pPr algn="r"/>
+            <a:r>
+              <a:rPr b="0" lang="fr-CH" sz="1400" spc="-1" strike="noStrike">
+                <a:latin typeface="Times New Roman"/>
+              </a:rPr>
+              <a:t>&lt;date/heure&gt;</a:t>
+            </a:r>
+            <a:endParaRPr b="0" lang="fr-CH" sz="1400" spc="-1" strike="noStrike">
+              <a:latin typeface="Times New Roman"/>
+            </a:endParaRPr>
+          </a:p>
+        </p:txBody>
+      </p:sp>
+      <p:sp>
+        <p:nvSpPr>
+          <p:cNvPr id="83" name="PlaceHolder 5"/>
+          <p:cNvSpPr>
+            <a:spLocks noGrp="1"/>
+          </p:cNvSpPr>
+          <p:nvPr>
+            <p:ph type="ftr"/>
+          </p:nvPr>
+        </p:nvSpPr>
+        <p:spPr>
+          <a:xfrm>
+            <a:off x="0" y="10157400"/>
+            <a:ext cx="3280680" cy="534240"/>
+          </a:xfrm>
+          <a:prstGeom prst="rect">
+            <a:avLst/>
+          </a:prstGeom>
+        </p:spPr>
+        <p:txBody>
+          <a:bodyPr lIns="0" rIns="0" tIns="0" bIns="0" anchor="b">
+            <a:noAutofit/>
+          </a:bodyPr>
+          <a:p>
+            <a:r>
+              <a:rPr b="0" lang="fr-CH" sz="1400" spc="-1" strike="noStrike">
+                <a:latin typeface="Times New Roman"/>
+              </a:rPr>
+              <a:t>&lt;pied de page&gt;</a:t>
+            </a:r>
+            <a:endParaRPr b="0" lang="fr-CH" sz="1400" spc="-1" strike="noStrike">
+              <a:latin typeface="Times New Roman"/>
+            </a:endParaRPr>
+          </a:p>
+        </p:txBody>
+      </p:sp>
+      <p:sp>
+        <p:nvSpPr>
+          <p:cNvPr id="84" name="PlaceHolder 6"/>
+          <p:cNvSpPr>
+            <a:spLocks noGrp="1"/>
+          </p:cNvSpPr>
+          <p:nvPr>
+            <p:ph type="sldNum"/>
+          </p:nvPr>
+        </p:nvSpPr>
+        <p:spPr>
+          <a:xfrm>
+            <a:off x="4278960" y="10157400"/>
+            <a:ext cx="3280680" cy="534240"/>
+          </a:xfrm>
+          <a:prstGeom prst="rect">
+            <a:avLst/>
+          </a:prstGeom>
+        </p:spPr>
+        <p:txBody>
+          <a:bodyPr lIns="0" rIns="0" tIns="0" bIns="0" anchor="b">
+            <a:noAutofit/>
+          </a:bodyPr>
+          <a:p>
+            <a:pPr algn="r"/>
+            <a:fld id="{BF3D0CF0-E2EA-4B42-91F1-01602C27A236}" type="slidenum">
+              <a:rPr b="0" lang="fr-CH" sz="1400" spc="-1" strike="noStrike">
+                <a:latin typeface="Times New Roman"/>
+              </a:rPr>
+              <a:t>&lt;numéro&gt;</a:t>
+            </a:fld>
+            <a:endParaRPr b="0" lang="fr-CH" sz="1400" spc="-1" strike="noStrike">
+              <a:latin typeface="Times New Roman"/>
+            </a:endParaRPr>
+          </a:p>
+        </p:txBody>
+      </p:sp>
+    </p:spTree>
+  </p:cSld>
+  <p:clrMap bg1="lt1" bg2="lt2" tx1="dk1" tx2="dk2" accent1="accent1" accent2="accent2" accent3="accent3" accent4="accent4" accent5="accent5" accent6="accent6" hlink="hlink" folHlink="folHlink"/>
+</p:notesMaster>
+</file>
+
+<file path=ppt/notesSlides/notesSlide2.xml><?xml version="1.0" encoding="utf-8"?>
+<p:notes xmlns:a="http://schemas.openxmlformats.org/drawingml/2006/main" xmlns:p="http://schemas.openxmlformats.org/presentationml/2006/main" xmlns:r="http://schemas.openxmlformats.org/officeDocument/2006/relationships" xmlns:p14="http://schemas.microsoft.com/office/powerpoint/2010/main" xmlns:p15="http://schemas.microsoft.com/office/powerpoint/2012/main" xmlns:mc="http://schemas.openxmlformats.org/markup-compatibility/2006">
+  <p:cSld>
+    <p:spTree>
+      <p:nvGrpSpPr>
+        <p:cNvPr id="1" name=""/>
+        <p:cNvGrpSpPr/>
+        <p:nvPr/>
+      </p:nvGrpSpPr>
+      <p:grpSpPr>
+        <a:xfrm>
+          <a:off x="0" y="0"/>
+          <a:ext cx="0" cy="0"/>
+          <a:chOff x="0" y="0"/>
+          <a:chExt cx="0" cy="0"/>
+        </a:xfrm>
+      </p:grpSpPr>
+      <p:sp>
+        <p:nvSpPr>
+          <p:cNvPr id="134" name="PlaceHolder 1"/>
+          <p:cNvSpPr>
+            <a:spLocks noGrp="1"/>
+          </p:cNvSpPr>
+          <p:nvPr>
+            <p:ph type="sldImg"/>
+          </p:nvPr>
+        </p:nvSpPr>
+        <p:spPr>
+          <a:xfrm>
+            <a:off x="420120" y="801720"/>
+            <a:ext cx="6719040" cy="4008600"/>
+          </a:xfrm>
+          <a:prstGeom prst="rect">
+            <a:avLst/>
+          </a:prstGeom>
+        </p:spPr>
+      </p:sp>
+      <p:sp>
+        <p:nvSpPr>
+          <p:cNvPr id="135" name="PlaceHolder 2"/>
+          <p:cNvSpPr>
+            <a:spLocks noGrp="1"/>
+          </p:cNvSpPr>
+          <p:nvPr>
+            <p:ph type="body"/>
+          </p:nvPr>
+        </p:nvSpPr>
+        <p:spPr>
+          <a:xfrm>
+            <a:off x="755640" y="5078520"/>
+            <a:ext cx="6047280" cy="4810680"/>
+          </a:xfrm>
+          <a:prstGeom prst="rect">
+            <a:avLst/>
+          </a:prstGeom>
+        </p:spPr>
+        <p:txBody>
+          <a:bodyPr lIns="0" rIns="0" tIns="91440" bIns="91440">
+            <a:noAutofit/>
+          </a:bodyPr>
+          <a:p>
+            <a:pPr marL="216000" indent="-216000">
+              <a:lnSpc>
+                <a:spcPct val="100000"/>
+              </a:lnSpc>
+              <a:tabLst>
+                <a:tab algn="l" pos="0"/>
+              </a:tabLst>
+            </a:pPr>
+            <a:r>
+              <a:rPr b="0" lang="fr-FR" sz="1100" spc="-1" strike="noStrike">
+                <a:latin typeface="Arial"/>
+              </a:rPr>
+              <a:t>Colossus computer built in Bletchley Park in 1943. This book was written 36 years later, 42 years ago… so testing has been an art for the majority of time we have had computers.</a:t>
+            </a:r>
+            <a:endParaRPr b="0" lang="fr-CH" sz="1100" spc="-1" strike="noStrike">
+              <a:latin typeface="Arial"/>
+            </a:endParaRPr>
+          </a:p>
+          <a:p>
+            <a:pPr marL="216000" indent="-216000">
+              <a:lnSpc>
+                <a:spcPct val="100000"/>
+              </a:lnSpc>
+              <a:tabLst>
+                <a:tab algn="l" pos="0"/>
+              </a:tabLst>
+            </a:pPr>
+            <a:endParaRPr b="0" lang="fr-CH" sz="1100" spc="-1" strike="noStrike">
+              <a:latin typeface="Arial"/>
+            </a:endParaRPr>
+          </a:p>
+          <a:p>
+            <a:pPr marL="216000" indent="-216000">
+              <a:lnSpc>
+                <a:spcPct val="100000"/>
+              </a:lnSpc>
+              <a:tabLst>
+                <a:tab algn="l" pos="0"/>
+              </a:tabLst>
+            </a:pPr>
+            <a:r>
+              <a:rPr b="0" lang="fr-FR" sz="1100" spc="-1" strike="noStrike">
+                <a:latin typeface="Arial"/>
+              </a:rPr>
+              <a:t>I really don’t mean “your code is sick”. But everyone needs to accept that “code is sick”.</a:t>
+            </a:r>
+            <a:endParaRPr b="0" lang="fr-CH" sz="1100" spc="-1" strike="noStrike">
+              <a:latin typeface="Arial"/>
+            </a:endParaRPr>
+          </a:p>
+        </p:txBody>
+      </p:sp>
+    </p:spTree>
+  </p:cSld>
+</p:notes>
 </file>
 
 <file path=ppt/slideLayouts/slideLayout1.xml><?xml version="1.0" encoding="utf-8"?>
@@ -564,6 +931,557 @@
 </p:sldLayout>
 </file>
 
+<file path=ppt/slideLayouts/slideLayout13.xml><?xml version="1.0" encoding="utf-8"?>
+<p:sldLayout xmlns:a="http://schemas.openxmlformats.org/drawingml/2006/main" xmlns:p="http://schemas.openxmlformats.org/presentationml/2006/main" xmlns:r="http://schemas.openxmlformats.org/officeDocument/2006/relationships" xmlns:p14="http://schemas.microsoft.com/office/powerpoint/2010/main" xmlns:p15="http://schemas.microsoft.com/office/powerpoint/2012/main" xmlns:mc="http://schemas.openxmlformats.org/markup-compatibility/2006" type="blank" preserve="1">
+  <p:cSld name="Blank Slide">
+    <p:spTree>
+      <p:nvGrpSpPr>
+        <p:cNvPr id="1" name=""/>
+        <p:cNvGrpSpPr/>
+        <p:nvPr/>
+      </p:nvGrpSpPr>
+      <p:grpSpPr>
+        <a:xfrm>
+          <a:off x="0" y="0"/>
+          <a:ext cx="0" cy="0"/>
+          <a:chOff x="0" y="0"/>
+          <a:chExt cx="0" cy="0"/>
+        </a:xfrm>
+      </p:grpSpPr>
+    </p:spTree>
+  </p:cSld>
+</p:sldLayout>
+</file>
+
+<file path=ppt/slideLayouts/slideLayout14.xml><?xml version="1.0" encoding="utf-8"?>
+<p:sldLayout xmlns:a="http://schemas.openxmlformats.org/drawingml/2006/main" xmlns:p="http://schemas.openxmlformats.org/presentationml/2006/main" xmlns:r="http://schemas.openxmlformats.org/officeDocument/2006/relationships" xmlns:p14="http://schemas.microsoft.com/office/powerpoint/2010/main" xmlns:p15="http://schemas.microsoft.com/office/powerpoint/2012/main" xmlns:mc="http://schemas.openxmlformats.org/markup-compatibility/2006" type="tx" preserve="1">
+  <p:cSld name="Title Slide">
+    <p:spTree>
+      <p:nvGrpSpPr>
+        <p:cNvPr id="1" name=""/>
+        <p:cNvGrpSpPr/>
+        <p:nvPr/>
+      </p:nvGrpSpPr>
+      <p:grpSpPr>
+        <a:xfrm>
+          <a:off x="0" y="0"/>
+          <a:ext cx="0" cy="0"/>
+          <a:chOff x="0" y="0"/>
+          <a:chExt cx="0" cy="0"/>
+        </a:xfrm>
+      </p:grpSpPr>
+      <p:sp>
+        <p:nvSpPr>
+          <p:cNvPr id="43" name="PlaceHolder 1"/>
+          <p:cNvSpPr>
+            <a:spLocks noGrp="1"/>
+          </p:cNvSpPr>
+          <p:nvPr>
+            <p:ph type="title"/>
+          </p:nvPr>
+        </p:nvSpPr>
+        <p:spPr>
+          <a:xfrm>
+            <a:off x="504000" y="226080"/>
+            <a:ext cx="9071640" cy="946440"/>
+          </a:xfrm>
+          <a:prstGeom prst="rect">
+            <a:avLst/>
+          </a:prstGeom>
+        </p:spPr>
+        <p:txBody>
+          <a:bodyPr lIns="0" rIns="0" tIns="0" bIns="0" anchor="ctr">
+            <a:noAutofit/>
+          </a:bodyPr>
+          <a:p>
+            <a:pPr algn="ctr"/>
+            <a:endParaRPr b="0" lang="fr-CH" sz="4400" spc="-1" strike="noStrike">
+              <a:latin typeface="Arial"/>
+            </a:endParaRPr>
+          </a:p>
+        </p:txBody>
+      </p:sp>
+      <p:sp>
+        <p:nvSpPr>
+          <p:cNvPr id="44" name="PlaceHolder 2"/>
+          <p:cNvSpPr>
+            <a:spLocks noGrp="1"/>
+          </p:cNvSpPr>
+          <p:nvPr>
+            <p:ph type="subTitle"/>
+          </p:nvPr>
+        </p:nvSpPr>
+        <p:spPr>
+          <a:xfrm>
+            <a:off x="504000" y="1326600"/>
+            <a:ext cx="9071640" cy="3288240"/>
+          </a:xfrm>
+          <a:prstGeom prst="rect">
+            <a:avLst/>
+          </a:prstGeom>
+        </p:spPr>
+        <p:txBody>
+          <a:bodyPr lIns="0" rIns="0" tIns="0" bIns="0" anchor="ctr">
+            <a:noAutofit/>
+          </a:bodyPr>
+          <a:p>
+            <a:pPr algn="ctr"/>
+            <a:endParaRPr b="0" lang="fr-CH" sz="3200" spc="-1" strike="noStrike">
+              <a:latin typeface="Arial"/>
+            </a:endParaRPr>
+          </a:p>
+        </p:txBody>
+      </p:sp>
+    </p:spTree>
+  </p:cSld>
+</p:sldLayout>
+</file>
+
+<file path=ppt/slideLayouts/slideLayout15.xml><?xml version="1.0" encoding="utf-8"?>
+<p:sldLayout xmlns:a="http://schemas.openxmlformats.org/drawingml/2006/main" xmlns:p="http://schemas.openxmlformats.org/presentationml/2006/main" xmlns:r="http://schemas.openxmlformats.org/officeDocument/2006/relationships" xmlns:p14="http://schemas.microsoft.com/office/powerpoint/2010/main" xmlns:p15="http://schemas.microsoft.com/office/powerpoint/2012/main" xmlns:mc="http://schemas.openxmlformats.org/markup-compatibility/2006" type="obj" preserve="1">
+  <p:cSld name="Title, Content">
+    <p:spTree>
+      <p:nvGrpSpPr>
+        <p:cNvPr id="1" name=""/>
+        <p:cNvGrpSpPr/>
+        <p:nvPr/>
+      </p:nvGrpSpPr>
+      <p:grpSpPr>
+        <a:xfrm>
+          <a:off x="0" y="0"/>
+          <a:ext cx="0" cy="0"/>
+          <a:chOff x="0" y="0"/>
+          <a:chExt cx="0" cy="0"/>
+        </a:xfrm>
+      </p:grpSpPr>
+      <p:sp>
+        <p:nvSpPr>
+          <p:cNvPr id="45" name="PlaceHolder 1"/>
+          <p:cNvSpPr>
+            <a:spLocks noGrp="1"/>
+          </p:cNvSpPr>
+          <p:nvPr>
+            <p:ph type="title"/>
+          </p:nvPr>
+        </p:nvSpPr>
+        <p:spPr>
+          <a:xfrm>
+            <a:off x="504000" y="226080"/>
+            <a:ext cx="9071640" cy="946440"/>
+          </a:xfrm>
+          <a:prstGeom prst="rect">
+            <a:avLst/>
+          </a:prstGeom>
+        </p:spPr>
+        <p:txBody>
+          <a:bodyPr lIns="0" rIns="0" tIns="0" bIns="0" anchor="ctr">
+            <a:noAutofit/>
+          </a:bodyPr>
+          <a:p>
+            <a:pPr algn="ctr"/>
+            <a:endParaRPr b="0" lang="fr-CH" sz="4400" spc="-1" strike="noStrike">
+              <a:latin typeface="Arial"/>
+            </a:endParaRPr>
+          </a:p>
+        </p:txBody>
+      </p:sp>
+      <p:sp>
+        <p:nvSpPr>
+          <p:cNvPr id="46" name="PlaceHolder 2"/>
+          <p:cNvSpPr>
+            <a:spLocks noGrp="1"/>
+          </p:cNvSpPr>
+          <p:nvPr>
+            <p:ph type="body"/>
+          </p:nvPr>
+        </p:nvSpPr>
+        <p:spPr>
+          <a:xfrm>
+            <a:off x="504000" y="1326600"/>
+            <a:ext cx="9071640" cy="3288240"/>
+          </a:xfrm>
+          <a:prstGeom prst="rect">
+            <a:avLst/>
+          </a:prstGeom>
+        </p:spPr>
+        <p:txBody>
+          <a:bodyPr lIns="0" rIns="0" tIns="0" bIns="0">
+            <a:normAutofit/>
+          </a:bodyPr>
+          <a:p>
+            <a:endParaRPr b="0" lang="fr-CH" sz="3200" spc="-1" strike="noStrike">
+              <a:latin typeface="Arial"/>
+            </a:endParaRPr>
+          </a:p>
+        </p:txBody>
+      </p:sp>
+    </p:spTree>
+  </p:cSld>
+</p:sldLayout>
+</file>
+
+<file path=ppt/slideLayouts/slideLayout16.xml><?xml version="1.0" encoding="utf-8"?>
+<p:sldLayout xmlns:a="http://schemas.openxmlformats.org/drawingml/2006/main" xmlns:p="http://schemas.openxmlformats.org/presentationml/2006/main" xmlns:r="http://schemas.openxmlformats.org/officeDocument/2006/relationships" xmlns:p14="http://schemas.microsoft.com/office/powerpoint/2010/main" xmlns:p15="http://schemas.microsoft.com/office/powerpoint/2012/main" xmlns:mc="http://schemas.openxmlformats.org/markup-compatibility/2006" type="twoObj" preserve="1">
+  <p:cSld name="Title, 2 Content">
+    <p:spTree>
+      <p:nvGrpSpPr>
+        <p:cNvPr id="1" name=""/>
+        <p:cNvGrpSpPr/>
+        <p:nvPr/>
+      </p:nvGrpSpPr>
+      <p:grpSpPr>
+        <a:xfrm>
+          <a:off x="0" y="0"/>
+          <a:ext cx="0" cy="0"/>
+          <a:chOff x="0" y="0"/>
+          <a:chExt cx="0" cy="0"/>
+        </a:xfrm>
+      </p:grpSpPr>
+      <p:sp>
+        <p:nvSpPr>
+          <p:cNvPr id="47" name="PlaceHolder 1"/>
+          <p:cNvSpPr>
+            <a:spLocks noGrp="1"/>
+          </p:cNvSpPr>
+          <p:nvPr>
+            <p:ph type="title"/>
+          </p:nvPr>
+        </p:nvSpPr>
+        <p:spPr>
+          <a:xfrm>
+            <a:off x="504000" y="226080"/>
+            <a:ext cx="9071640" cy="946440"/>
+          </a:xfrm>
+          <a:prstGeom prst="rect">
+            <a:avLst/>
+          </a:prstGeom>
+        </p:spPr>
+        <p:txBody>
+          <a:bodyPr lIns="0" rIns="0" tIns="0" bIns="0" anchor="ctr">
+            <a:noAutofit/>
+          </a:bodyPr>
+          <a:p>
+            <a:pPr algn="ctr"/>
+            <a:endParaRPr b="0" lang="fr-CH" sz="4400" spc="-1" strike="noStrike">
+              <a:latin typeface="Arial"/>
+            </a:endParaRPr>
+          </a:p>
+        </p:txBody>
+      </p:sp>
+      <p:sp>
+        <p:nvSpPr>
+          <p:cNvPr id="48" name="PlaceHolder 2"/>
+          <p:cNvSpPr>
+            <a:spLocks noGrp="1"/>
+          </p:cNvSpPr>
+          <p:nvPr>
+            <p:ph type="body"/>
+          </p:nvPr>
+        </p:nvSpPr>
+        <p:spPr>
+          <a:xfrm>
+            <a:off x="504000" y="1326600"/>
+            <a:ext cx="4426920" cy="3288240"/>
+          </a:xfrm>
+          <a:prstGeom prst="rect">
+            <a:avLst/>
+          </a:prstGeom>
+        </p:spPr>
+        <p:txBody>
+          <a:bodyPr lIns="0" rIns="0" tIns="0" bIns="0">
+            <a:normAutofit/>
+          </a:bodyPr>
+          <a:p>
+            <a:endParaRPr b="0" lang="fr-CH" sz="3200" spc="-1" strike="noStrike">
+              <a:latin typeface="Arial"/>
+            </a:endParaRPr>
+          </a:p>
+        </p:txBody>
+      </p:sp>
+      <p:sp>
+        <p:nvSpPr>
+          <p:cNvPr id="49" name="PlaceHolder 3"/>
+          <p:cNvSpPr>
+            <a:spLocks noGrp="1"/>
+          </p:cNvSpPr>
+          <p:nvPr>
+            <p:ph type="body"/>
+          </p:nvPr>
+        </p:nvSpPr>
+        <p:spPr>
+          <a:xfrm>
+            <a:off x="5152680" y="1326600"/>
+            <a:ext cx="4426920" cy="3288240"/>
+          </a:xfrm>
+          <a:prstGeom prst="rect">
+            <a:avLst/>
+          </a:prstGeom>
+        </p:spPr>
+        <p:txBody>
+          <a:bodyPr lIns="0" rIns="0" tIns="0" bIns="0">
+            <a:normAutofit/>
+          </a:bodyPr>
+          <a:p>
+            <a:endParaRPr b="0" lang="fr-CH" sz="3200" spc="-1" strike="noStrike">
+              <a:latin typeface="Arial"/>
+            </a:endParaRPr>
+          </a:p>
+        </p:txBody>
+      </p:sp>
+    </p:spTree>
+  </p:cSld>
+</p:sldLayout>
+</file>
+
+<file path=ppt/slideLayouts/slideLayout17.xml><?xml version="1.0" encoding="utf-8"?>
+<p:sldLayout xmlns:a="http://schemas.openxmlformats.org/drawingml/2006/main" xmlns:p="http://schemas.openxmlformats.org/presentationml/2006/main" xmlns:r="http://schemas.openxmlformats.org/officeDocument/2006/relationships" xmlns:p14="http://schemas.microsoft.com/office/powerpoint/2010/main" xmlns:p15="http://schemas.microsoft.com/office/powerpoint/2012/main" xmlns:mc="http://schemas.openxmlformats.org/markup-compatibility/2006" type="titleOnly" preserve="1">
+  <p:cSld name="Title Only">
+    <p:spTree>
+      <p:nvGrpSpPr>
+        <p:cNvPr id="1" name=""/>
+        <p:cNvGrpSpPr/>
+        <p:nvPr/>
+      </p:nvGrpSpPr>
+      <p:grpSpPr>
+        <a:xfrm>
+          <a:off x="0" y="0"/>
+          <a:ext cx="0" cy="0"/>
+          <a:chOff x="0" y="0"/>
+          <a:chExt cx="0" cy="0"/>
+        </a:xfrm>
+      </p:grpSpPr>
+      <p:sp>
+        <p:nvSpPr>
+          <p:cNvPr id="50" name="PlaceHolder 1"/>
+          <p:cNvSpPr>
+            <a:spLocks noGrp="1"/>
+          </p:cNvSpPr>
+          <p:nvPr>
+            <p:ph type="title"/>
+          </p:nvPr>
+        </p:nvSpPr>
+        <p:spPr>
+          <a:xfrm>
+            <a:off x="504000" y="226080"/>
+            <a:ext cx="9071640" cy="946440"/>
+          </a:xfrm>
+          <a:prstGeom prst="rect">
+            <a:avLst/>
+          </a:prstGeom>
+        </p:spPr>
+        <p:txBody>
+          <a:bodyPr lIns="0" rIns="0" tIns="0" bIns="0" anchor="ctr">
+            <a:noAutofit/>
+          </a:bodyPr>
+          <a:p>
+            <a:pPr algn="ctr"/>
+            <a:endParaRPr b="0" lang="fr-CH" sz="4400" spc="-1" strike="noStrike">
+              <a:latin typeface="Arial"/>
+            </a:endParaRPr>
+          </a:p>
+        </p:txBody>
+      </p:sp>
+    </p:spTree>
+  </p:cSld>
+</p:sldLayout>
+</file>
+
+<file path=ppt/slideLayouts/slideLayout18.xml><?xml version="1.0" encoding="utf-8"?>
+<p:sldLayout xmlns:a="http://schemas.openxmlformats.org/drawingml/2006/main" xmlns:p="http://schemas.openxmlformats.org/presentationml/2006/main" xmlns:r="http://schemas.openxmlformats.org/officeDocument/2006/relationships" xmlns:p14="http://schemas.microsoft.com/office/powerpoint/2010/main" xmlns:p15="http://schemas.microsoft.com/office/powerpoint/2012/main" xmlns:mc="http://schemas.openxmlformats.org/markup-compatibility/2006" type="objOnly" preserve="1">
+  <p:cSld name="Centered Text">
+    <p:spTree>
+      <p:nvGrpSpPr>
+        <p:cNvPr id="1" name=""/>
+        <p:cNvGrpSpPr/>
+        <p:nvPr/>
+      </p:nvGrpSpPr>
+      <p:grpSpPr>
+        <a:xfrm>
+          <a:off x="0" y="0"/>
+          <a:ext cx="0" cy="0"/>
+          <a:chOff x="0" y="0"/>
+          <a:chExt cx="0" cy="0"/>
+        </a:xfrm>
+      </p:grpSpPr>
+      <p:sp>
+        <p:nvSpPr>
+          <p:cNvPr id="51" name="PlaceHolder 1"/>
+          <p:cNvSpPr>
+            <a:spLocks noGrp="1"/>
+          </p:cNvSpPr>
+          <p:nvPr>
+            <p:ph type="subTitle"/>
+          </p:nvPr>
+        </p:nvSpPr>
+        <p:spPr>
+          <a:xfrm>
+            <a:off x="504000" y="226080"/>
+            <a:ext cx="9071640" cy="4388400"/>
+          </a:xfrm>
+          <a:prstGeom prst="rect">
+            <a:avLst/>
+          </a:prstGeom>
+        </p:spPr>
+        <p:txBody>
+          <a:bodyPr lIns="0" rIns="0" tIns="0" bIns="0" anchor="ctr">
+            <a:noAutofit/>
+          </a:bodyPr>
+          <a:p>
+            <a:pPr algn="ctr"/>
+            <a:endParaRPr b="0" lang="fr-CH" sz="3200" spc="-1" strike="noStrike">
+              <a:latin typeface="Arial"/>
+            </a:endParaRPr>
+          </a:p>
+        </p:txBody>
+      </p:sp>
+    </p:spTree>
+  </p:cSld>
+</p:sldLayout>
+</file>
+
+<file path=ppt/slideLayouts/slideLayout19.xml><?xml version="1.0" encoding="utf-8"?>
+<p:sldLayout xmlns:a="http://schemas.openxmlformats.org/drawingml/2006/main" xmlns:p="http://schemas.openxmlformats.org/presentationml/2006/main" xmlns:r="http://schemas.openxmlformats.org/officeDocument/2006/relationships" xmlns:p14="http://schemas.microsoft.com/office/powerpoint/2010/main" xmlns:p15="http://schemas.microsoft.com/office/powerpoint/2012/main" xmlns:mc="http://schemas.openxmlformats.org/markup-compatibility/2006" type="twoObjAndObj" preserve="1">
+  <p:cSld name="Title, 2 Content and Content">
+    <p:spTree>
+      <p:nvGrpSpPr>
+        <p:cNvPr id="1" name=""/>
+        <p:cNvGrpSpPr/>
+        <p:nvPr/>
+      </p:nvGrpSpPr>
+      <p:grpSpPr>
+        <a:xfrm>
+          <a:off x="0" y="0"/>
+          <a:ext cx="0" cy="0"/>
+          <a:chOff x="0" y="0"/>
+          <a:chExt cx="0" cy="0"/>
+        </a:xfrm>
+      </p:grpSpPr>
+      <p:sp>
+        <p:nvSpPr>
+          <p:cNvPr id="52" name="PlaceHolder 1"/>
+          <p:cNvSpPr>
+            <a:spLocks noGrp="1"/>
+          </p:cNvSpPr>
+          <p:nvPr>
+            <p:ph type="title"/>
+          </p:nvPr>
+        </p:nvSpPr>
+        <p:spPr>
+          <a:xfrm>
+            <a:off x="504000" y="226080"/>
+            <a:ext cx="9071640" cy="946440"/>
+          </a:xfrm>
+          <a:prstGeom prst="rect">
+            <a:avLst/>
+          </a:prstGeom>
+        </p:spPr>
+        <p:txBody>
+          <a:bodyPr lIns="0" rIns="0" tIns="0" bIns="0" anchor="ctr">
+            <a:noAutofit/>
+          </a:bodyPr>
+          <a:p>
+            <a:pPr algn="ctr"/>
+            <a:endParaRPr b="0" lang="fr-CH" sz="4400" spc="-1" strike="noStrike">
+              <a:latin typeface="Arial"/>
+            </a:endParaRPr>
+          </a:p>
+        </p:txBody>
+      </p:sp>
+      <p:sp>
+        <p:nvSpPr>
+          <p:cNvPr id="53" name="PlaceHolder 2"/>
+          <p:cNvSpPr>
+            <a:spLocks noGrp="1"/>
+          </p:cNvSpPr>
+          <p:nvPr>
+            <p:ph type="body"/>
+          </p:nvPr>
+        </p:nvSpPr>
+        <p:spPr>
+          <a:xfrm>
+            <a:off x="504000" y="1326600"/>
+            <a:ext cx="4426920" cy="1568160"/>
+          </a:xfrm>
+          <a:prstGeom prst="rect">
+            <a:avLst/>
+          </a:prstGeom>
+        </p:spPr>
+        <p:txBody>
+          <a:bodyPr lIns="0" rIns="0" tIns="0" bIns="0">
+            <a:normAutofit/>
+          </a:bodyPr>
+          <a:p>
+            <a:endParaRPr b="0" lang="fr-CH" sz="3200" spc="-1" strike="noStrike">
+              <a:latin typeface="Arial"/>
+            </a:endParaRPr>
+          </a:p>
+        </p:txBody>
+      </p:sp>
+      <p:sp>
+        <p:nvSpPr>
+          <p:cNvPr id="54" name="PlaceHolder 3"/>
+          <p:cNvSpPr>
+            <a:spLocks noGrp="1"/>
+          </p:cNvSpPr>
+          <p:nvPr>
+            <p:ph type="body"/>
+          </p:nvPr>
+        </p:nvSpPr>
+        <p:spPr>
+          <a:xfrm>
+            <a:off x="5152680" y="1326600"/>
+            <a:ext cx="4426920" cy="3288240"/>
+          </a:xfrm>
+          <a:prstGeom prst="rect">
+            <a:avLst/>
+          </a:prstGeom>
+        </p:spPr>
+        <p:txBody>
+          <a:bodyPr lIns="0" rIns="0" tIns="0" bIns="0">
+            <a:normAutofit/>
+          </a:bodyPr>
+          <a:p>
+            <a:endParaRPr b="0" lang="fr-CH" sz="3200" spc="-1" strike="noStrike">
+              <a:latin typeface="Arial"/>
+            </a:endParaRPr>
+          </a:p>
+        </p:txBody>
+      </p:sp>
+      <p:sp>
+        <p:nvSpPr>
+          <p:cNvPr id="55" name="PlaceHolder 4"/>
+          <p:cNvSpPr>
+            <a:spLocks noGrp="1"/>
+          </p:cNvSpPr>
+          <p:nvPr>
+            <p:ph type="body"/>
+          </p:nvPr>
+        </p:nvSpPr>
+        <p:spPr>
+          <a:xfrm>
+            <a:off x="504000" y="3044160"/>
+            <a:ext cx="4426920" cy="1568160"/>
+          </a:xfrm>
+          <a:prstGeom prst="rect">
+            <a:avLst/>
+          </a:prstGeom>
+        </p:spPr>
+        <p:txBody>
+          <a:bodyPr lIns="0" rIns="0" tIns="0" bIns="0">
+            <a:normAutofit/>
+          </a:bodyPr>
+          <a:p>
+            <a:endParaRPr b="0" lang="fr-CH" sz="3200" spc="-1" strike="noStrike">
+              <a:latin typeface="Arial"/>
+            </a:endParaRPr>
+          </a:p>
+        </p:txBody>
+      </p:sp>
+    </p:spTree>
+  </p:cSld>
+</p:sldLayout>
+</file>
+
 <file path=ppt/slideLayouts/slideLayout2.xml><?xml version="1.0" encoding="utf-8"?>
 <p:sldLayout xmlns:a="http://schemas.openxmlformats.org/drawingml/2006/main" xmlns:p="http://schemas.openxmlformats.org/presentationml/2006/main" xmlns:r="http://schemas.openxmlformats.org/officeDocument/2006/relationships" xmlns:p14="http://schemas.microsoft.com/office/powerpoint/2010/main" xmlns:p15="http://schemas.microsoft.com/office/powerpoint/2012/main" xmlns:mc="http://schemas.openxmlformats.org/markup-compatibility/2006" type="tx" preserve="1">
   <p:cSld name="Title Slide">
@@ -637,6 +1555,811 @@
           </a:bodyPr>
           <a:p>
             <a:pPr algn="ctr"/>
+            <a:endParaRPr b="0" lang="fr-CH" sz="3200" spc="-1" strike="noStrike">
+              <a:latin typeface="Arial"/>
+            </a:endParaRPr>
+          </a:p>
+        </p:txBody>
+      </p:sp>
+    </p:spTree>
+  </p:cSld>
+</p:sldLayout>
+</file>
+
+<file path=ppt/slideLayouts/slideLayout20.xml><?xml version="1.0" encoding="utf-8"?>
+<p:sldLayout xmlns:a="http://schemas.openxmlformats.org/drawingml/2006/main" xmlns:p="http://schemas.openxmlformats.org/presentationml/2006/main" xmlns:r="http://schemas.openxmlformats.org/officeDocument/2006/relationships" xmlns:p14="http://schemas.microsoft.com/office/powerpoint/2010/main" xmlns:p15="http://schemas.microsoft.com/office/powerpoint/2012/main" xmlns:mc="http://schemas.openxmlformats.org/markup-compatibility/2006" type="objAndTwoObj" preserve="1">
+  <p:cSld name="Title Content and 2 Content">
+    <p:spTree>
+      <p:nvGrpSpPr>
+        <p:cNvPr id="1" name=""/>
+        <p:cNvGrpSpPr/>
+        <p:nvPr/>
+      </p:nvGrpSpPr>
+      <p:grpSpPr>
+        <a:xfrm>
+          <a:off x="0" y="0"/>
+          <a:ext cx="0" cy="0"/>
+          <a:chOff x="0" y="0"/>
+          <a:chExt cx="0" cy="0"/>
+        </a:xfrm>
+      </p:grpSpPr>
+      <p:sp>
+        <p:nvSpPr>
+          <p:cNvPr id="56" name="PlaceHolder 1"/>
+          <p:cNvSpPr>
+            <a:spLocks noGrp="1"/>
+          </p:cNvSpPr>
+          <p:nvPr>
+            <p:ph type="title"/>
+          </p:nvPr>
+        </p:nvSpPr>
+        <p:spPr>
+          <a:xfrm>
+            <a:off x="504000" y="226080"/>
+            <a:ext cx="9071640" cy="946440"/>
+          </a:xfrm>
+          <a:prstGeom prst="rect">
+            <a:avLst/>
+          </a:prstGeom>
+        </p:spPr>
+        <p:txBody>
+          <a:bodyPr lIns="0" rIns="0" tIns="0" bIns="0" anchor="ctr">
+            <a:noAutofit/>
+          </a:bodyPr>
+          <a:p>
+            <a:pPr algn="ctr"/>
+            <a:endParaRPr b="0" lang="fr-CH" sz="4400" spc="-1" strike="noStrike">
+              <a:latin typeface="Arial"/>
+            </a:endParaRPr>
+          </a:p>
+        </p:txBody>
+      </p:sp>
+      <p:sp>
+        <p:nvSpPr>
+          <p:cNvPr id="57" name="PlaceHolder 2"/>
+          <p:cNvSpPr>
+            <a:spLocks noGrp="1"/>
+          </p:cNvSpPr>
+          <p:nvPr>
+            <p:ph type="body"/>
+          </p:nvPr>
+        </p:nvSpPr>
+        <p:spPr>
+          <a:xfrm>
+            <a:off x="504000" y="1326600"/>
+            <a:ext cx="4426920" cy="3288240"/>
+          </a:xfrm>
+          <a:prstGeom prst="rect">
+            <a:avLst/>
+          </a:prstGeom>
+        </p:spPr>
+        <p:txBody>
+          <a:bodyPr lIns="0" rIns="0" tIns="0" bIns="0">
+            <a:normAutofit/>
+          </a:bodyPr>
+          <a:p>
+            <a:endParaRPr b="0" lang="fr-CH" sz="3200" spc="-1" strike="noStrike">
+              <a:latin typeface="Arial"/>
+            </a:endParaRPr>
+          </a:p>
+        </p:txBody>
+      </p:sp>
+      <p:sp>
+        <p:nvSpPr>
+          <p:cNvPr id="58" name="PlaceHolder 3"/>
+          <p:cNvSpPr>
+            <a:spLocks noGrp="1"/>
+          </p:cNvSpPr>
+          <p:nvPr>
+            <p:ph type="body"/>
+          </p:nvPr>
+        </p:nvSpPr>
+        <p:spPr>
+          <a:xfrm>
+            <a:off x="5152680" y="1326600"/>
+            <a:ext cx="4426920" cy="1568160"/>
+          </a:xfrm>
+          <a:prstGeom prst="rect">
+            <a:avLst/>
+          </a:prstGeom>
+        </p:spPr>
+        <p:txBody>
+          <a:bodyPr lIns="0" rIns="0" tIns="0" bIns="0">
+            <a:normAutofit/>
+          </a:bodyPr>
+          <a:p>
+            <a:endParaRPr b="0" lang="fr-CH" sz="3200" spc="-1" strike="noStrike">
+              <a:latin typeface="Arial"/>
+            </a:endParaRPr>
+          </a:p>
+        </p:txBody>
+      </p:sp>
+      <p:sp>
+        <p:nvSpPr>
+          <p:cNvPr id="59" name="PlaceHolder 4"/>
+          <p:cNvSpPr>
+            <a:spLocks noGrp="1"/>
+          </p:cNvSpPr>
+          <p:nvPr>
+            <p:ph type="body"/>
+          </p:nvPr>
+        </p:nvSpPr>
+        <p:spPr>
+          <a:xfrm>
+            <a:off x="5152680" y="3044160"/>
+            <a:ext cx="4426920" cy="1568160"/>
+          </a:xfrm>
+          <a:prstGeom prst="rect">
+            <a:avLst/>
+          </a:prstGeom>
+        </p:spPr>
+        <p:txBody>
+          <a:bodyPr lIns="0" rIns="0" tIns="0" bIns="0">
+            <a:normAutofit/>
+          </a:bodyPr>
+          <a:p>
+            <a:endParaRPr b="0" lang="fr-CH" sz="3200" spc="-1" strike="noStrike">
+              <a:latin typeface="Arial"/>
+            </a:endParaRPr>
+          </a:p>
+        </p:txBody>
+      </p:sp>
+    </p:spTree>
+  </p:cSld>
+</p:sldLayout>
+</file>
+
+<file path=ppt/slideLayouts/slideLayout21.xml><?xml version="1.0" encoding="utf-8"?>
+<p:sldLayout xmlns:a="http://schemas.openxmlformats.org/drawingml/2006/main" xmlns:p="http://schemas.openxmlformats.org/presentationml/2006/main" xmlns:r="http://schemas.openxmlformats.org/officeDocument/2006/relationships" xmlns:p14="http://schemas.microsoft.com/office/powerpoint/2010/main" xmlns:p15="http://schemas.microsoft.com/office/powerpoint/2012/main" xmlns:mc="http://schemas.openxmlformats.org/markup-compatibility/2006" type="twoObjOverTx" preserve="1">
+  <p:cSld name="Title, 2 Content over Content">
+    <p:spTree>
+      <p:nvGrpSpPr>
+        <p:cNvPr id="1" name=""/>
+        <p:cNvGrpSpPr/>
+        <p:nvPr/>
+      </p:nvGrpSpPr>
+      <p:grpSpPr>
+        <a:xfrm>
+          <a:off x="0" y="0"/>
+          <a:ext cx="0" cy="0"/>
+          <a:chOff x="0" y="0"/>
+          <a:chExt cx="0" cy="0"/>
+        </a:xfrm>
+      </p:grpSpPr>
+      <p:sp>
+        <p:nvSpPr>
+          <p:cNvPr id="60" name="PlaceHolder 1"/>
+          <p:cNvSpPr>
+            <a:spLocks noGrp="1"/>
+          </p:cNvSpPr>
+          <p:nvPr>
+            <p:ph type="title"/>
+          </p:nvPr>
+        </p:nvSpPr>
+        <p:spPr>
+          <a:xfrm>
+            <a:off x="504000" y="226080"/>
+            <a:ext cx="9071640" cy="946440"/>
+          </a:xfrm>
+          <a:prstGeom prst="rect">
+            <a:avLst/>
+          </a:prstGeom>
+        </p:spPr>
+        <p:txBody>
+          <a:bodyPr lIns="0" rIns="0" tIns="0" bIns="0" anchor="ctr">
+            <a:noAutofit/>
+          </a:bodyPr>
+          <a:p>
+            <a:pPr algn="ctr"/>
+            <a:endParaRPr b="0" lang="fr-CH" sz="4400" spc="-1" strike="noStrike">
+              <a:latin typeface="Arial"/>
+            </a:endParaRPr>
+          </a:p>
+        </p:txBody>
+      </p:sp>
+      <p:sp>
+        <p:nvSpPr>
+          <p:cNvPr id="61" name="PlaceHolder 2"/>
+          <p:cNvSpPr>
+            <a:spLocks noGrp="1"/>
+          </p:cNvSpPr>
+          <p:nvPr>
+            <p:ph type="body"/>
+          </p:nvPr>
+        </p:nvSpPr>
+        <p:spPr>
+          <a:xfrm>
+            <a:off x="504000" y="1326600"/>
+            <a:ext cx="4426920" cy="1568160"/>
+          </a:xfrm>
+          <a:prstGeom prst="rect">
+            <a:avLst/>
+          </a:prstGeom>
+        </p:spPr>
+        <p:txBody>
+          <a:bodyPr lIns="0" rIns="0" tIns="0" bIns="0">
+            <a:normAutofit/>
+          </a:bodyPr>
+          <a:p>
+            <a:endParaRPr b="0" lang="fr-CH" sz="3200" spc="-1" strike="noStrike">
+              <a:latin typeface="Arial"/>
+            </a:endParaRPr>
+          </a:p>
+        </p:txBody>
+      </p:sp>
+      <p:sp>
+        <p:nvSpPr>
+          <p:cNvPr id="62" name="PlaceHolder 3"/>
+          <p:cNvSpPr>
+            <a:spLocks noGrp="1"/>
+          </p:cNvSpPr>
+          <p:nvPr>
+            <p:ph type="body"/>
+          </p:nvPr>
+        </p:nvSpPr>
+        <p:spPr>
+          <a:xfrm>
+            <a:off x="5152680" y="1326600"/>
+            <a:ext cx="4426920" cy="1568160"/>
+          </a:xfrm>
+          <a:prstGeom prst="rect">
+            <a:avLst/>
+          </a:prstGeom>
+        </p:spPr>
+        <p:txBody>
+          <a:bodyPr lIns="0" rIns="0" tIns="0" bIns="0">
+            <a:normAutofit/>
+          </a:bodyPr>
+          <a:p>
+            <a:endParaRPr b="0" lang="fr-CH" sz="3200" spc="-1" strike="noStrike">
+              <a:latin typeface="Arial"/>
+            </a:endParaRPr>
+          </a:p>
+        </p:txBody>
+      </p:sp>
+      <p:sp>
+        <p:nvSpPr>
+          <p:cNvPr id="63" name="PlaceHolder 4"/>
+          <p:cNvSpPr>
+            <a:spLocks noGrp="1"/>
+          </p:cNvSpPr>
+          <p:nvPr>
+            <p:ph type="body"/>
+          </p:nvPr>
+        </p:nvSpPr>
+        <p:spPr>
+          <a:xfrm>
+            <a:off x="504000" y="3044160"/>
+            <a:ext cx="9071640" cy="1568160"/>
+          </a:xfrm>
+          <a:prstGeom prst="rect">
+            <a:avLst/>
+          </a:prstGeom>
+        </p:spPr>
+        <p:txBody>
+          <a:bodyPr lIns="0" rIns="0" tIns="0" bIns="0">
+            <a:normAutofit/>
+          </a:bodyPr>
+          <a:p>
+            <a:endParaRPr b="0" lang="fr-CH" sz="3200" spc="-1" strike="noStrike">
+              <a:latin typeface="Arial"/>
+            </a:endParaRPr>
+          </a:p>
+        </p:txBody>
+      </p:sp>
+    </p:spTree>
+  </p:cSld>
+</p:sldLayout>
+</file>
+
+<file path=ppt/slideLayouts/slideLayout22.xml><?xml version="1.0" encoding="utf-8"?>
+<p:sldLayout xmlns:a="http://schemas.openxmlformats.org/drawingml/2006/main" xmlns:p="http://schemas.openxmlformats.org/presentationml/2006/main" xmlns:r="http://schemas.openxmlformats.org/officeDocument/2006/relationships" xmlns:p14="http://schemas.microsoft.com/office/powerpoint/2010/main" xmlns:p15="http://schemas.microsoft.com/office/powerpoint/2012/main" xmlns:mc="http://schemas.openxmlformats.org/markup-compatibility/2006" type="objOverTx" preserve="1">
+  <p:cSld name="Title, Content over Content">
+    <p:spTree>
+      <p:nvGrpSpPr>
+        <p:cNvPr id="1" name=""/>
+        <p:cNvGrpSpPr/>
+        <p:nvPr/>
+      </p:nvGrpSpPr>
+      <p:grpSpPr>
+        <a:xfrm>
+          <a:off x="0" y="0"/>
+          <a:ext cx="0" cy="0"/>
+          <a:chOff x="0" y="0"/>
+          <a:chExt cx="0" cy="0"/>
+        </a:xfrm>
+      </p:grpSpPr>
+      <p:sp>
+        <p:nvSpPr>
+          <p:cNvPr id="64" name="PlaceHolder 1"/>
+          <p:cNvSpPr>
+            <a:spLocks noGrp="1"/>
+          </p:cNvSpPr>
+          <p:nvPr>
+            <p:ph type="title"/>
+          </p:nvPr>
+        </p:nvSpPr>
+        <p:spPr>
+          <a:xfrm>
+            <a:off x="504000" y="226080"/>
+            <a:ext cx="9071640" cy="946440"/>
+          </a:xfrm>
+          <a:prstGeom prst="rect">
+            <a:avLst/>
+          </a:prstGeom>
+        </p:spPr>
+        <p:txBody>
+          <a:bodyPr lIns="0" rIns="0" tIns="0" bIns="0" anchor="ctr">
+            <a:noAutofit/>
+          </a:bodyPr>
+          <a:p>
+            <a:pPr algn="ctr"/>
+            <a:endParaRPr b="0" lang="fr-CH" sz="4400" spc="-1" strike="noStrike">
+              <a:latin typeface="Arial"/>
+            </a:endParaRPr>
+          </a:p>
+        </p:txBody>
+      </p:sp>
+      <p:sp>
+        <p:nvSpPr>
+          <p:cNvPr id="65" name="PlaceHolder 2"/>
+          <p:cNvSpPr>
+            <a:spLocks noGrp="1"/>
+          </p:cNvSpPr>
+          <p:nvPr>
+            <p:ph type="body"/>
+          </p:nvPr>
+        </p:nvSpPr>
+        <p:spPr>
+          <a:xfrm>
+            <a:off x="504000" y="1326600"/>
+            <a:ext cx="9071640" cy="1568160"/>
+          </a:xfrm>
+          <a:prstGeom prst="rect">
+            <a:avLst/>
+          </a:prstGeom>
+        </p:spPr>
+        <p:txBody>
+          <a:bodyPr lIns="0" rIns="0" tIns="0" bIns="0">
+            <a:normAutofit/>
+          </a:bodyPr>
+          <a:p>
+            <a:endParaRPr b="0" lang="fr-CH" sz="3200" spc="-1" strike="noStrike">
+              <a:latin typeface="Arial"/>
+            </a:endParaRPr>
+          </a:p>
+        </p:txBody>
+      </p:sp>
+      <p:sp>
+        <p:nvSpPr>
+          <p:cNvPr id="66" name="PlaceHolder 3"/>
+          <p:cNvSpPr>
+            <a:spLocks noGrp="1"/>
+          </p:cNvSpPr>
+          <p:nvPr>
+            <p:ph type="body"/>
+          </p:nvPr>
+        </p:nvSpPr>
+        <p:spPr>
+          <a:xfrm>
+            <a:off x="504000" y="3044160"/>
+            <a:ext cx="9071640" cy="1568160"/>
+          </a:xfrm>
+          <a:prstGeom prst="rect">
+            <a:avLst/>
+          </a:prstGeom>
+        </p:spPr>
+        <p:txBody>
+          <a:bodyPr lIns="0" rIns="0" tIns="0" bIns="0">
+            <a:normAutofit/>
+          </a:bodyPr>
+          <a:p>
+            <a:endParaRPr b="0" lang="fr-CH" sz="3200" spc="-1" strike="noStrike">
+              <a:latin typeface="Arial"/>
+            </a:endParaRPr>
+          </a:p>
+        </p:txBody>
+      </p:sp>
+    </p:spTree>
+  </p:cSld>
+</p:sldLayout>
+</file>
+
+<file path=ppt/slideLayouts/slideLayout23.xml><?xml version="1.0" encoding="utf-8"?>
+<p:sldLayout xmlns:a="http://schemas.openxmlformats.org/drawingml/2006/main" xmlns:p="http://schemas.openxmlformats.org/presentationml/2006/main" xmlns:r="http://schemas.openxmlformats.org/officeDocument/2006/relationships" xmlns:p14="http://schemas.microsoft.com/office/powerpoint/2010/main" xmlns:p15="http://schemas.microsoft.com/office/powerpoint/2012/main" xmlns:mc="http://schemas.openxmlformats.org/markup-compatibility/2006" type="fourObj" preserve="1">
+  <p:cSld name="Title, 4 Content">
+    <p:spTree>
+      <p:nvGrpSpPr>
+        <p:cNvPr id="1" name=""/>
+        <p:cNvGrpSpPr/>
+        <p:nvPr/>
+      </p:nvGrpSpPr>
+      <p:grpSpPr>
+        <a:xfrm>
+          <a:off x="0" y="0"/>
+          <a:ext cx="0" cy="0"/>
+          <a:chOff x="0" y="0"/>
+          <a:chExt cx="0" cy="0"/>
+        </a:xfrm>
+      </p:grpSpPr>
+      <p:sp>
+        <p:nvSpPr>
+          <p:cNvPr id="67" name="PlaceHolder 1"/>
+          <p:cNvSpPr>
+            <a:spLocks noGrp="1"/>
+          </p:cNvSpPr>
+          <p:nvPr>
+            <p:ph type="title"/>
+          </p:nvPr>
+        </p:nvSpPr>
+        <p:spPr>
+          <a:xfrm>
+            <a:off x="504000" y="226080"/>
+            <a:ext cx="9071640" cy="946440"/>
+          </a:xfrm>
+          <a:prstGeom prst="rect">
+            <a:avLst/>
+          </a:prstGeom>
+        </p:spPr>
+        <p:txBody>
+          <a:bodyPr lIns="0" rIns="0" tIns="0" bIns="0" anchor="ctr">
+            <a:noAutofit/>
+          </a:bodyPr>
+          <a:p>
+            <a:pPr algn="ctr"/>
+            <a:endParaRPr b="0" lang="fr-CH" sz="4400" spc="-1" strike="noStrike">
+              <a:latin typeface="Arial"/>
+            </a:endParaRPr>
+          </a:p>
+        </p:txBody>
+      </p:sp>
+      <p:sp>
+        <p:nvSpPr>
+          <p:cNvPr id="68" name="PlaceHolder 2"/>
+          <p:cNvSpPr>
+            <a:spLocks noGrp="1"/>
+          </p:cNvSpPr>
+          <p:nvPr>
+            <p:ph type="body"/>
+          </p:nvPr>
+        </p:nvSpPr>
+        <p:spPr>
+          <a:xfrm>
+            <a:off x="504000" y="1326600"/>
+            <a:ext cx="4426920" cy="1568160"/>
+          </a:xfrm>
+          <a:prstGeom prst="rect">
+            <a:avLst/>
+          </a:prstGeom>
+        </p:spPr>
+        <p:txBody>
+          <a:bodyPr lIns="0" rIns="0" tIns="0" bIns="0">
+            <a:normAutofit/>
+          </a:bodyPr>
+          <a:p>
+            <a:endParaRPr b="0" lang="fr-CH" sz="3200" spc="-1" strike="noStrike">
+              <a:latin typeface="Arial"/>
+            </a:endParaRPr>
+          </a:p>
+        </p:txBody>
+      </p:sp>
+      <p:sp>
+        <p:nvSpPr>
+          <p:cNvPr id="69" name="PlaceHolder 3"/>
+          <p:cNvSpPr>
+            <a:spLocks noGrp="1"/>
+          </p:cNvSpPr>
+          <p:nvPr>
+            <p:ph type="body"/>
+          </p:nvPr>
+        </p:nvSpPr>
+        <p:spPr>
+          <a:xfrm>
+            <a:off x="5152680" y="1326600"/>
+            <a:ext cx="4426920" cy="1568160"/>
+          </a:xfrm>
+          <a:prstGeom prst="rect">
+            <a:avLst/>
+          </a:prstGeom>
+        </p:spPr>
+        <p:txBody>
+          <a:bodyPr lIns="0" rIns="0" tIns="0" bIns="0">
+            <a:normAutofit/>
+          </a:bodyPr>
+          <a:p>
+            <a:endParaRPr b="0" lang="fr-CH" sz="3200" spc="-1" strike="noStrike">
+              <a:latin typeface="Arial"/>
+            </a:endParaRPr>
+          </a:p>
+        </p:txBody>
+      </p:sp>
+      <p:sp>
+        <p:nvSpPr>
+          <p:cNvPr id="70" name="PlaceHolder 4"/>
+          <p:cNvSpPr>
+            <a:spLocks noGrp="1"/>
+          </p:cNvSpPr>
+          <p:nvPr>
+            <p:ph type="body"/>
+          </p:nvPr>
+        </p:nvSpPr>
+        <p:spPr>
+          <a:xfrm>
+            <a:off x="504000" y="3044160"/>
+            <a:ext cx="4426920" cy="1568160"/>
+          </a:xfrm>
+          <a:prstGeom prst="rect">
+            <a:avLst/>
+          </a:prstGeom>
+        </p:spPr>
+        <p:txBody>
+          <a:bodyPr lIns="0" rIns="0" tIns="0" bIns="0">
+            <a:normAutofit/>
+          </a:bodyPr>
+          <a:p>
+            <a:endParaRPr b="0" lang="fr-CH" sz="3200" spc="-1" strike="noStrike">
+              <a:latin typeface="Arial"/>
+            </a:endParaRPr>
+          </a:p>
+        </p:txBody>
+      </p:sp>
+      <p:sp>
+        <p:nvSpPr>
+          <p:cNvPr id="71" name="PlaceHolder 5"/>
+          <p:cNvSpPr>
+            <a:spLocks noGrp="1"/>
+          </p:cNvSpPr>
+          <p:nvPr>
+            <p:ph type="body"/>
+          </p:nvPr>
+        </p:nvSpPr>
+        <p:spPr>
+          <a:xfrm>
+            <a:off x="5152680" y="3044160"/>
+            <a:ext cx="4426920" cy="1568160"/>
+          </a:xfrm>
+          <a:prstGeom prst="rect">
+            <a:avLst/>
+          </a:prstGeom>
+        </p:spPr>
+        <p:txBody>
+          <a:bodyPr lIns="0" rIns="0" tIns="0" bIns="0">
+            <a:normAutofit/>
+          </a:bodyPr>
+          <a:p>
+            <a:endParaRPr b="0" lang="fr-CH" sz="3200" spc="-1" strike="noStrike">
+              <a:latin typeface="Arial"/>
+            </a:endParaRPr>
+          </a:p>
+        </p:txBody>
+      </p:sp>
+    </p:spTree>
+  </p:cSld>
+</p:sldLayout>
+</file>
+
+<file path=ppt/slideLayouts/slideLayout24.xml><?xml version="1.0" encoding="utf-8"?>
+<p:sldLayout xmlns:a="http://schemas.openxmlformats.org/drawingml/2006/main" xmlns:p="http://schemas.openxmlformats.org/presentationml/2006/main" xmlns:r="http://schemas.openxmlformats.org/officeDocument/2006/relationships" xmlns:p14="http://schemas.microsoft.com/office/powerpoint/2010/main" xmlns:p15="http://schemas.microsoft.com/office/powerpoint/2012/main" xmlns:mc="http://schemas.openxmlformats.org/markup-compatibility/2006" type="blank" preserve="1">
+  <p:cSld name="Title, 6 Content">
+    <p:spTree>
+      <p:nvGrpSpPr>
+        <p:cNvPr id="1" name=""/>
+        <p:cNvGrpSpPr/>
+        <p:nvPr/>
+      </p:nvGrpSpPr>
+      <p:grpSpPr>
+        <a:xfrm>
+          <a:off x="0" y="0"/>
+          <a:ext cx="0" cy="0"/>
+          <a:chOff x="0" y="0"/>
+          <a:chExt cx="0" cy="0"/>
+        </a:xfrm>
+      </p:grpSpPr>
+      <p:sp>
+        <p:nvSpPr>
+          <p:cNvPr id="72" name="PlaceHolder 1"/>
+          <p:cNvSpPr>
+            <a:spLocks noGrp="1"/>
+          </p:cNvSpPr>
+          <p:nvPr>
+            <p:ph type="title"/>
+          </p:nvPr>
+        </p:nvSpPr>
+        <p:spPr>
+          <a:xfrm>
+            <a:off x="504000" y="226080"/>
+            <a:ext cx="9071640" cy="946440"/>
+          </a:xfrm>
+          <a:prstGeom prst="rect">
+            <a:avLst/>
+          </a:prstGeom>
+        </p:spPr>
+        <p:txBody>
+          <a:bodyPr lIns="0" rIns="0" tIns="0" bIns="0" anchor="ctr">
+            <a:noAutofit/>
+          </a:bodyPr>
+          <a:p>
+            <a:pPr algn="ctr"/>
+            <a:endParaRPr b="0" lang="fr-CH" sz="4400" spc="-1" strike="noStrike">
+              <a:latin typeface="Arial"/>
+            </a:endParaRPr>
+          </a:p>
+        </p:txBody>
+      </p:sp>
+      <p:sp>
+        <p:nvSpPr>
+          <p:cNvPr id="73" name="PlaceHolder 2"/>
+          <p:cNvSpPr>
+            <a:spLocks noGrp="1"/>
+          </p:cNvSpPr>
+          <p:nvPr>
+            <p:ph type="body"/>
+          </p:nvPr>
+        </p:nvSpPr>
+        <p:spPr>
+          <a:xfrm>
+            <a:off x="504000" y="1326600"/>
+            <a:ext cx="2920680" cy="1568160"/>
+          </a:xfrm>
+          <a:prstGeom prst="rect">
+            <a:avLst/>
+          </a:prstGeom>
+        </p:spPr>
+        <p:txBody>
+          <a:bodyPr lIns="0" rIns="0" tIns="0" bIns="0">
+            <a:normAutofit/>
+          </a:bodyPr>
+          <a:p>
+            <a:endParaRPr b="0" lang="fr-CH" sz="3200" spc="-1" strike="noStrike">
+              <a:latin typeface="Arial"/>
+            </a:endParaRPr>
+          </a:p>
+        </p:txBody>
+      </p:sp>
+      <p:sp>
+        <p:nvSpPr>
+          <p:cNvPr id="74" name="PlaceHolder 3"/>
+          <p:cNvSpPr>
+            <a:spLocks noGrp="1"/>
+          </p:cNvSpPr>
+          <p:nvPr>
+            <p:ph type="body"/>
+          </p:nvPr>
+        </p:nvSpPr>
+        <p:spPr>
+          <a:xfrm>
+            <a:off x="3571200" y="1326600"/>
+            <a:ext cx="2920680" cy="1568160"/>
+          </a:xfrm>
+          <a:prstGeom prst="rect">
+            <a:avLst/>
+          </a:prstGeom>
+        </p:spPr>
+        <p:txBody>
+          <a:bodyPr lIns="0" rIns="0" tIns="0" bIns="0">
+            <a:normAutofit/>
+          </a:bodyPr>
+          <a:p>
+            <a:endParaRPr b="0" lang="fr-CH" sz="3200" spc="-1" strike="noStrike">
+              <a:latin typeface="Arial"/>
+            </a:endParaRPr>
+          </a:p>
+        </p:txBody>
+      </p:sp>
+      <p:sp>
+        <p:nvSpPr>
+          <p:cNvPr id="75" name="PlaceHolder 4"/>
+          <p:cNvSpPr>
+            <a:spLocks noGrp="1"/>
+          </p:cNvSpPr>
+          <p:nvPr>
+            <p:ph type="body"/>
+          </p:nvPr>
+        </p:nvSpPr>
+        <p:spPr>
+          <a:xfrm>
+            <a:off x="6638040" y="1326600"/>
+            <a:ext cx="2920680" cy="1568160"/>
+          </a:xfrm>
+          <a:prstGeom prst="rect">
+            <a:avLst/>
+          </a:prstGeom>
+        </p:spPr>
+        <p:txBody>
+          <a:bodyPr lIns="0" rIns="0" tIns="0" bIns="0">
+            <a:normAutofit/>
+          </a:bodyPr>
+          <a:p>
+            <a:endParaRPr b="0" lang="fr-CH" sz="3200" spc="-1" strike="noStrike">
+              <a:latin typeface="Arial"/>
+            </a:endParaRPr>
+          </a:p>
+        </p:txBody>
+      </p:sp>
+      <p:sp>
+        <p:nvSpPr>
+          <p:cNvPr id="76" name="PlaceHolder 5"/>
+          <p:cNvSpPr>
+            <a:spLocks noGrp="1"/>
+          </p:cNvSpPr>
+          <p:nvPr>
+            <p:ph type="body"/>
+          </p:nvPr>
+        </p:nvSpPr>
+        <p:spPr>
+          <a:xfrm>
+            <a:off x="504000" y="3044160"/>
+            <a:ext cx="2920680" cy="1568160"/>
+          </a:xfrm>
+          <a:prstGeom prst="rect">
+            <a:avLst/>
+          </a:prstGeom>
+        </p:spPr>
+        <p:txBody>
+          <a:bodyPr lIns="0" rIns="0" tIns="0" bIns="0">
+            <a:normAutofit/>
+          </a:bodyPr>
+          <a:p>
+            <a:endParaRPr b="0" lang="fr-CH" sz="3200" spc="-1" strike="noStrike">
+              <a:latin typeface="Arial"/>
+            </a:endParaRPr>
+          </a:p>
+        </p:txBody>
+      </p:sp>
+      <p:sp>
+        <p:nvSpPr>
+          <p:cNvPr id="77" name="PlaceHolder 6"/>
+          <p:cNvSpPr>
+            <a:spLocks noGrp="1"/>
+          </p:cNvSpPr>
+          <p:nvPr>
+            <p:ph type="body"/>
+          </p:nvPr>
+        </p:nvSpPr>
+        <p:spPr>
+          <a:xfrm>
+            <a:off x="3571200" y="3044160"/>
+            <a:ext cx="2920680" cy="1568160"/>
+          </a:xfrm>
+          <a:prstGeom prst="rect">
+            <a:avLst/>
+          </a:prstGeom>
+        </p:spPr>
+        <p:txBody>
+          <a:bodyPr lIns="0" rIns="0" tIns="0" bIns="0">
+            <a:normAutofit/>
+          </a:bodyPr>
+          <a:p>
+            <a:endParaRPr b="0" lang="fr-CH" sz="3200" spc="-1" strike="noStrike">
+              <a:latin typeface="Arial"/>
+            </a:endParaRPr>
+          </a:p>
+        </p:txBody>
+      </p:sp>
+      <p:sp>
+        <p:nvSpPr>
+          <p:cNvPr id="78" name="PlaceHolder 7"/>
+          <p:cNvSpPr>
+            <a:spLocks noGrp="1"/>
+          </p:cNvSpPr>
+          <p:nvPr>
+            <p:ph type="body"/>
+          </p:nvPr>
+        </p:nvSpPr>
+        <p:spPr>
+          <a:xfrm>
+            <a:off x="6638040" y="3044160"/>
+            <a:ext cx="2920680" cy="1568160"/>
+          </a:xfrm>
+          <a:prstGeom prst="rect">
+            <a:avLst/>
+          </a:prstGeom>
+        </p:spPr>
+        <p:txBody>
+          <a:bodyPr lIns="0" rIns="0" tIns="0" bIns="0">
+            <a:normAutofit/>
+          </a:bodyPr>
+          <a:p>
             <a:endParaRPr b="0" lang="fr-CH" sz="3200" spc="-1" strike="noStrike">
               <a:latin typeface="Arial"/>
             </a:endParaRPr>
@@ -1710,7 +3433,7 @@
           </a:bodyPr>
           <a:p>
             <a:pPr algn="r"/>
-            <a:fld id="{B685CA0F-3FED-4D68-94A3-27977395A8F8}" type="slidenum">
+            <a:fld id="{6597D499-45D0-422C-A3D4-C33040E89A72}" type="slidenum">
               <a:rPr b="0" lang="fr-CH" sz="1400" spc="-1" strike="noStrike">
                 <a:latin typeface="Times New Roman"/>
               </a:rPr>
@@ -1738,6 +3461,266 @@
     <p:sldLayoutId id="2147483658" r:id="rId11"/>
     <p:sldLayoutId id="2147483659" r:id="rId12"/>
     <p:sldLayoutId id="2147483660" r:id="rId13"/>
+  </p:sldLayoutIdLst>
+</p:sldMaster>
+</file>
+
+<file path=ppt/slideMasters/slideMaster2.xml><?xml version="1.0" encoding="utf-8"?>
+<p:sldMaster xmlns:a="http://schemas.openxmlformats.org/drawingml/2006/main" xmlns:p="http://schemas.openxmlformats.org/presentationml/2006/main" xmlns:r="http://schemas.openxmlformats.org/officeDocument/2006/relationships" xmlns:p14="http://schemas.microsoft.com/office/powerpoint/2010/main" xmlns:p15="http://schemas.microsoft.com/office/powerpoint/2012/main" xmlns:mc="http://schemas.openxmlformats.org/markup-compatibility/2006">
+  <p:cSld>
+    <p:bg>
+      <p:bgPr>
+        <a:solidFill>
+          <a:srgbClr val="ffffff"/>
+        </a:solidFill>
+      </p:bgPr>
+    </p:bg>
+    <p:spTree>
+      <p:nvGrpSpPr>
+        <p:cNvPr id="1" name=""/>
+        <p:cNvGrpSpPr/>
+        <p:nvPr/>
+      </p:nvGrpSpPr>
+      <p:grpSpPr>
+        <a:xfrm>
+          <a:off x="0" y="0"/>
+          <a:ext cx="0" cy="0"/>
+          <a:chOff x="0" y="0"/>
+          <a:chExt cx="0" cy="0"/>
+        </a:xfrm>
+      </p:grpSpPr>
+      <p:sp>
+        <p:nvSpPr>
+          <p:cNvPr id="41" name="PlaceHolder 1"/>
+          <p:cNvSpPr>
+            <a:spLocks noGrp="1"/>
+          </p:cNvSpPr>
+          <p:nvPr>
+            <p:ph type="title"/>
+          </p:nvPr>
+        </p:nvSpPr>
+        <p:spPr>
+          <a:xfrm>
+            <a:off x="343440" y="490320"/>
+            <a:ext cx="9392040" cy="630720"/>
+          </a:xfrm>
+          <a:prstGeom prst="rect">
+            <a:avLst/>
+          </a:prstGeom>
+        </p:spPr>
+        <p:txBody>
+          <a:bodyPr lIns="0" rIns="0" tIns="0" bIns="0" anchor="ctr">
+            <a:noAutofit/>
+          </a:bodyPr>
+          <a:p>
+            <a:pPr algn="ctr"/>
+            <a:r>
+              <a:rPr b="0" lang="fr-CH" sz="1800" spc="-1" strike="noStrike">
+                <a:latin typeface="Arial"/>
+              </a:rPr>
+              <a:t>Cliquez pour éditer le format du texte-titre</a:t>
+            </a:r>
+            <a:endParaRPr b="0" lang="fr-CH" sz="1800" spc="-1" strike="noStrike">
+              <a:latin typeface="Arial"/>
+            </a:endParaRPr>
+          </a:p>
+        </p:txBody>
+      </p:sp>
+      <p:sp>
+        <p:nvSpPr>
+          <p:cNvPr id="42" name="PlaceHolder 2"/>
+          <p:cNvSpPr>
+            <a:spLocks noGrp="1"/>
+          </p:cNvSpPr>
+          <p:nvPr>
+            <p:ph type="body"/>
+          </p:nvPr>
+        </p:nvSpPr>
+        <p:spPr>
+          <a:xfrm>
+            <a:off x="343440" y="1270080"/>
+            <a:ext cx="9392040" cy="3765240"/>
+          </a:xfrm>
+          <a:prstGeom prst="rect">
+            <a:avLst/>
+          </a:prstGeom>
+        </p:spPr>
+        <p:txBody>
+          <a:bodyPr lIns="0" rIns="0" tIns="0" bIns="0">
+            <a:normAutofit/>
+          </a:bodyPr>
+          <a:p>
+            <a:pPr marL="432000" indent="-324000" algn="ctr">
+              <a:spcBef>
+                <a:spcPts val="1559"/>
+              </a:spcBef>
+              <a:buClr>
+                <a:srgbClr val="000000"/>
+              </a:buClr>
+              <a:buSzPct val="45000"/>
+              <a:buFont typeface="Wingdings" charset="2"/>
+              <a:buChar char=""/>
+            </a:pPr>
+            <a:r>
+              <a:rPr b="0" lang="fr-CH" sz="1800" spc="-1" strike="noStrike">
+                <a:latin typeface="Arial"/>
+              </a:rPr>
+              <a:t>Cliquez pour éditer le format du plan de texte</a:t>
+            </a:r>
+            <a:endParaRPr b="0" lang="fr-CH" sz="1800" spc="-1" strike="noStrike">
+              <a:latin typeface="Arial"/>
+            </a:endParaRPr>
+          </a:p>
+          <a:p>
+            <a:pPr lvl="1" marL="864000" indent="-324000" algn="ctr">
+              <a:spcBef>
+                <a:spcPts val="1247"/>
+              </a:spcBef>
+              <a:buClr>
+                <a:srgbClr val="000000"/>
+              </a:buClr>
+              <a:buSzPct val="75000"/>
+              <a:buFont typeface="Symbol" charset="2"/>
+              <a:buChar char=""/>
+            </a:pPr>
+            <a:r>
+              <a:rPr b="0" lang="fr-CH" sz="1800" spc="-1" strike="noStrike">
+                <a:latin typeface="Arial"/>
+              </a:rPr>
+              <a:t>Second niveau de plan</a:t>
+            </a:r>
+            <a:endParaRPr b="0" lang="fr-CH" sz="1800" spc="-1" strike="noStrike">
+              <a:latin typeface="Arial"/>
+            </a:endParaRPr>
+          </a:p>
+          <a:p>
+            <a:pPr lvl="2" marL="1296000" indent="-288000" algn="ctr">
+              <a:spcBef>
+                <a:spcPts val="935"/>
+              </a:spcBef>
+              <a:buClr>
+                <a:srgbClr val="000000"/>
+              </a:buClr>
+              <a:buSzPct val="45000"/>
+              <a:buFont typeface="Wingdings" charset="2"/>
+              <a:buChar char=""/>
+            </a:pPr>
+            <a:r>
+              <a:rPr b="0" lang="fr-CH" sz="1800" spc="-1" strike="noStrike">
+                <a:latin typeface="Arial"/>
+              </a:rPr>
+              <a:t>Troisième niveau de plan</a:t>
+            </a:r>
+            <a:endParaRPr b="0" lang="fr-CH" sz="1800" spc="-1" strike="noStrike">
+              <a:latin typeface="Arial"/>
+            </a:endParaRPr>
+          </a:p>
+          <a:p>
+            <a:pPr lvl="3" marL="1728000" indent="-216000" algn="ctr">
+              <a:spcBef>
+                <a:spcPts val="624"/>
+              </a:spcBef>
+              <a:buClr>
+                <a:srgbClr val="000000"/>
+              </a:buClr>
+              <a:buSzPct val="75000"/>
+              <a:buFont typeface="Symbol" charset="2"/>
+              <a:buChar char=""/>
+            </a:pPr>
+            <a:r>
+              <a:rPr b="0" lang="fr-CH" sz="1800" spc="-1" strike="noStrike">
+                <a:latin typeface="Arial"/>
+              </a:rPr>
+              <a:t>Quatrième niveau de plan</a:t>
+            </a:r>
+            <a:endParaRPr b="0" lang="fr-CH" sz="1800" spc="-1" strike="noStrike">
+              <a:latin typeface="Arial"/>
+            </a:endParaRPr>
+          </a:p>
+          <a:p>
+            <a:pPr lvl="4" marL="2160000" indent="-216000" algn="ctr">
+              <a:spcBef>
+                <a:spcPts val="312"/>
+              </a:spcBef>
+              <a:buClr>
+                <a:srgbClr val="000000"/>
+              </a:buClr>
+              <a:buSzPct val="45000"/>
+              <a:buFont typeface="Wingdings" charset="2"/>
+              <a:buChar char=""/>
+            </a:pPr>
+            <a:r>
+              <a:rPr b="0" lang="fr-CH" sz="1800" spc="-1" strike="noStrike">
+                <a:latin typeface="Arial"/>
+              </a:rPr>
+              <a:t>Cinquième niveau de plan</a:t>
+            </a:r>
+            <a:endParaRPr b="0" lang="fr-CH" sz="1800" spc="-1" strike="noStrike">
+              <a:latin typeface="Arial"/>
+            </a:endParaRPr>
+          </a:p>
+          <a:p>
+            <a:pPr lvl="5" marL="2592000" indent="-216000" algn="ctr">
+              <a:spcBef>
+                <a:spcPts val="312"/>
+              </a:spcBef>
+              <a:buClr>
+                <a:srgbClr val="000000"/>
+              </a:buClr>
+              <a:buSzPct val="45000"/>
+              <a:buFont typeface="Wingdings" charset="2"/>
+              <a:buChar char=""/>
+            </a:pPr>
+            <a:r>
+              <a:rPr b="0" lang="fr-CH" sz="1800" spc="-1" strike="noStrike">
+                <a:latin typeface="Arial"/>
+              </a:rPr>
+              <a:t>Sixième niveau de plan</a:t>
+            </a:r>
+            <a:endParaRPr b="0" lang="fr-CH" sz="1800" spc="-1" strike="noStrike">
+              <a:latin typeface="Arial"/>
+            </a:endParaRPr>
+          </a:p>
+          <a:p>
+            <a:pPr lvl="6" marL="3024000" indent="-216000" algn="ctr">
+              <a:spcBef>
+                <a:spcPts val="312"/>
+              </a:spcBef>
+              <a:buClr>
+                <a:srgbClr val="000000"/>
+              </a:buClr>
+              <a:buSzPct val="45000"/>
+              <a:buFont typeface="Wingdings" charset="2"/>
+              <a:buChar char=""/>
+            </a:pPr>
+            <a:r>
+              <a:rPr b="0" lang="fr-CH" sz="1800" spc="-1" strike="noStrike">
+                <a:latin typeface="Arial"/>
+              </a:rPr>
+              <a:t>Septième niveau de plan</a:t>
+            </a:r>
+            <a:endParaRPr b="0" lang="fr-CH" sz="1800" spc="-1" strike="noStrike">
+              <a:latin typeface="Arial"/>
+            </a:endParaRPr>
+          </a:p>
+        </p:txBody>
+      </p:sp>
+    </p:spTree>
+  </p:cSld>
+  <p:clrMap bg1="lt1" bg2="lt2" tx1="dk1" tx2="dk2" accent1="accent1" accent2="accent2" accent3="accent3" accent4="accent4" accent5="accent5" accent6="accent6" hlink="hlink" folHlink="folHlink"/>
+  <p:sldLayoutIdLst>
+    <p:sldLayoutId id="2147483662" r:id="rId2"/>
+    <p:sldLayoutId id="2147483663" r:id="rId3"/>
+    <p:sldLayoutId id="2147483664" r:id="rId4"/>
+    <p:sldLayoutId id="2147483665" r:id="rId5"/>
+    <p:sldLayoutId id="2147483666" r:id="rId6"/>
+    <p:sldLayoutId id="2147483667" r:id="rId7"/>
+    <p:sldLayoutId id="2147483668" r:id="rId8"/>
+    <p:sldLayoutId id="2147483669" r:id="rId9"/>
+    <p:sldLayoutId id="2147483670" r:id="rId10"/>
+    <p:sldLayoutId id="2147483671" r:id="rId11"/>
+    <p:sldLayoutId id="2147483672" r:id="rId12"/>
+    <p:sldLayoutId id="2147483673" r:id="rId13"/>
   </p:sldLayoutIdLst>
 </p:sldMaster>
 </file>
@@ -1761,7 +3744,7 @@
       </p:grpSpPr>
       <p:sp>
         <p:nvSpPr>
-          <p:cNvPr id="41" name="TextShape 1"/>
+          <p:cNvPr id="85" name="TextShape 1"/>
           <p:cNvSpPr txBox="1"/>
           <p:nvPr/>
         </p:nvSpPr>
@@ -1828,7 +3811,7 @@
       </p:grpSpPr>
       <p:sp>
         <p:nvSpPr>
-          <p:cNvPr id="72" name="TextShape 1"/>
+          <p:cNvPr id="119" name="TextShape 1"/>
           <p:cNvSpPr txBox="1"/>
           <p:nvPr/>
         </p:nvSpPr>
@@ -1855,7 +3838,7 @@
               <a:rPr b="0" lang="fr-CH" sz="4400" spc="-1" strike="noStrike">
                 <a:latin typeface="Arial"/>
               </a:rPr>
-              <a:t>TDD et enseignement</a:t>
+              <a:t>Exemple simple (2) → échec test</a:t>
             </a:r>
             <a:endParaRPr b="0" lang="fr-CH" sz="4400" spc="-1" strike="noStrike">
               <a:latin typeface="Arial"/>
@@ -1865,7 +3848,7 @@
       </p:sp>
       <p:sp>
         <p:nvSpPr>
-          <p:cNvPr id="73" name="TextShape 2"/>
+          <p:cNvPr id="120" name="TextShape 2"/>
           <p:cNvSpPr txBox="1"/>
           <p:nvPr/>
         </p:nvSpPr>
@@ -1902,58 +3885,38 @@
               <a:rPr b="0" lang="fr-CH" sz="3200" spc="-1" strike="noStrike">
                 <a:latin typeface="Arial"/>
               </a:rPr>
-              <a:t>Enseigner le TDD au sens strict aux étudiants : difficile</a:t>
-            </a:r>
-            <a:endParaRPr b="0" lang="fr-CH" sz="3200" spc="-1" strike="noStrike">
-              <a:latin typeface="Arial"/>
-            </a:endParaRPr>
-          </a:p>
-          <a:p>
-            <a:pPr lvl="1" marL="864000" indent="-324000">
-              <a:spcBef>
-                <a:spcPts val="1134"/>
-              </a:spcBef>
-              <a:buClr>
-                <a:srgbClr val="000000"/>
-              </a:buClr>
-              <a:buSzPct val="75000"/>
-              <a:buFont typeface="Symbol" charset="2"/>
-              <a:buChar char=""/>
-            </a:pPr>
-            <a:r>
-              <a:rPr b="0" lang="fr-CH" sz="2800" spc="-1" strike="noStrike">
-                <a:latin typeface="Arial"/>
-              </a:rPr>
-              <a:t>Il faut avoir des notions de programmation </a:t>
-            </a:r>
-            <a:endParaRPr b="0" lang="fr-CH" sz="2800" spc="-1" strike="noStrike">
-              <a:latin typeface="Arial"/>
-            </a:endParaRPr>
-          </a:p>
-          <a:p>
-            <a:pPr lvl="1" marL="864000" indent="-324000">
-              <a:spcBef>
-                <a:spcPts val="1134"/>
-              </a:spcBef>
-              <a:buClr>
-                <a:srgbClr val="000000"/>
-              </a:buClr>
-              <a:buSzPct val="75000"/>
-              <a:buFont typeface="Symbol" charset="2"/>
-              <a:buChar char=""/>
-            </a:pPr>
-            <a:r>
-              <a:rPr b="0" lang="fr-CH" sz="2800" spc="-1" strike="noStrike">
-                <a:latin typeface="Arial"/>
-              </a:rPr>
-              <a:t>Testé avec des étudiants universitaire</a:t>
-            </a:r>
-            <a:endParaRPr b="0" lang="fr-CH" sz="2800" spc="-1" strike="noStrike">
-              <a:latin typeface="Arial"/>
-            </a:endParaRPr>
-          </a:p>
-        </p:txBody>
-      </p:sp>
+              <a:t>&gt;&gt; pytest first_test.py</a:t>
+            </a:r>
+            <a:endParaRPr b="0" lang="fr-CH" sz="3200" spc="-1" strike="noStrike">
+              <a:latin typeface="Arial"/>
+            </a:endParaRPr>
+          </a:p>
+        </p:txBody>
+      </p:sp>
+      <p:pic>
+        <p:nvPicPr>
+          <p:cNvPr id="121" name="" descr=""/>
+          <p:cNvPicPr/>
+          <p:nvPr/>
+        </p:nvPicPr>
+        <p:blipFill>
+          <a:blip r:embed="rId1"/>
+          <a:srcRect l="1745" t="24160" r="396" b="5993"/>
+          <a:stretch/>
+        </p:blipFill>
+        <p:spPr>
+          <a:xfrm>
+            <a:off x="371880" y="1800000"/>
+            <a:ext cx="9432000" cy="3786480"/>
+          </a:xfrm>
+          <a:prstGeom prst="rect">
+            <a:avLst/>
+          </a:prstGeom>
+          <a:ln>
+            <a:noFill/>
+          </a:ln>
+        </p:spPr>
+      </p:pic>
     </p:spTree>
   </p:cSld>
   <mc:AlternateContent>
@@ -1986,7 +3949,7 @@
       </p:grpSpPr>
       <p:sp>
         <p:nvSpPr>
-          <p:cNvPr id="74" name="TextShape 1"/>
+          <p:cNvPr id="122" name="TextShape 1"/>
           <p:cNvSpPr txBox="1"/>
           <p:nvPr/>
         </p:nvSpPr>
@@ -2013,7 +3976,7 @@
               <a:rPr b="0" lang="fr-CH" sz="4400" spc="-1" strike="noStrike">
                 <a:latin typeface="Arial"/>
               </a:rPr>
-              <a:t>TDD et enseignement</a:t>
+              <a:t>Exemple (3)</a:t>
             </a:r>
             <a:endParaRPr b="0" lang="fr-CH" sz="4400" spc="-1" strike="noStrike">
               <a:latin typeface="Arial"/>
@@ -2023,14 +3986,14 @@
       </p:sp>
       <p:sp>
         <p:nvSpPr>
-          <p:cNvPr id="75" name="TextShape 2"/>
+          <p:cNvPr id="123" name="TextShape 2"/>
           <p:cNvSpPr txBox="1"/>
           <p:nvPr/>
         </p:nvSpPr>
         <p:spPr>
           <a:xfrm>
-            <a:off x="504000" y="1326600"/>
-            <a:ext cx="9071640" cy="3288240"/>
+            <a:off x="432000" y="1326600"/>
+            <a:ext cx="4464000" cy="3288240"/>
           </a:xfrm>
           <a:prstGeom prst="rect">
             <a:avLst/>
@@ -2060,36 +4023,37 @@
               <a:rPr b="0" lang="fr-CH" sz="3200" spc="-1" strike="noStrike">
                 <a:latin typeface="Arial"/>
               </a:rPr>
-              <a:t>Cours introduction à la programmation</a:t>
-            </a:r>
-            <a:endParaRPr b="0" lang="fr-CH" sz="3200" spc="-1" strike="noStrike">
-              <a:latin typeface="Arial"/>
-            </a:endParaRPr>
-          </a:p>
-          <a:p>
-            <a:pPr lvl="1" marL="864000" indent="-324000">
-              <a:spcBef>
-                <a:spcPts val="1134"/>
-              </a:spcBef>
-              <a:buClr>
-                <a:srgbClr val="000000"/>
-              </a:buClr>
-              <a:buSzPct val="75000"/>
-              <a:buFont typeface="Symbol" charset="2"/>
-              <a:buChar char=""/>
-            </a:pPr>
-            <a:r>
-              <a:rPr b="0" lang="fr-CH" sz="2800" spc="-1" strike="noStrike">
-                <a:latin typeface="Arial"/>
-              </a:rPr>
-              <a:t>Développer des tests pour tester le code des étudiants, avant même que ceux-ci soient faits</a:t>
-            </a:r>
-            <a:endParaRPr b="0" lang="fr-CH" sz="2800" spc="-1" strike="noStrike">
-              <a:latin typeface="Arial"/>
-            </a:endParaRPr>
-          </a:p>
-        </p:txBody>
-      </p:sp>
+              <a:t>Écriture du code</a:t>
+            </a:r>
+            <a:endParaRPr b="0" lang="fr-CH" sz="3200" spc="-1" strike="noStrike">
+              <a:latin typeface="Arial"/>
+            </a:endParaRPr>
+          </a:p>
+        </p:txBody>
+      </p:sp>
+      <p:pic>
+        <p:nvPicPr>
+          <p:cNvPr id="124" name="" descr=""/>
+          <p:cNvPicPr/>
+          <p:nvPr/>
+        </p:nvPicPr>
+        <p:blipFill>
+          <a:blip r:embed="rId1"/>
+          <a:stretch/>
+        </p:blipFill>
+        <p:spPr>
+          <a:xfrm>
+            <a:off x="4896000" y="1728000"/>
+            <a:ext cx="4142520" cy="2936160"/>
+          </a:xfrm>
+          <a:prstGeom prst="rect">
+            <a:avLst/>
+          </a:prstGeom>
+          <a:ln>
+            <a:noFill/>
+          </a:ln>
+        </p:spPr>
+      </p:pic>
     </p:spTree>
   </p:cSld>
   <mc:AlternateContent>
@@ -2122,7 +4086,7 @@
       </p:grpSpPr>
       <p:sp>
         <p:nvSpPr>
-          <p:cNvPr id="76" name="TextShape 1"/>
+          <p:cNvPr id="125" name="TextShape 1"/>
           <p:cNvSpPr txBox="1"/>
           <p:nvPr/>
         </p:nvSpPr>
@@ -2149,6 +4113,126 @@
               <a:rPr b="0" lang="fr-CH" sz="4400" spc="-1" strike="noStrike">
                 <a:latin typeface="Arial"/>
               </a:rPr>
+              <a:t>Exemple (4)</a:t>
+            </a:r>
+            <a:endParaRPr b="0" lang="fr-CH" sz="4400" spc="-1" strike="noStrike">
+              <a:latin typeface="Arial"/>
+            </a:endParaRPr>
+          </a:p>
+        </p:txBody>
+      </p:sp>
+      <p:sp>
+        <p:nvSpPr>
+          <p:cNvPr id="126" name="TextShape 2"/>
+          <p:cNvSpPr txBox="1"/>
+          <p:nvPr/>
+        </p:nvSpPr>
+        <p:spPr>
+          <a:xfrm>
+            <a:off x="504000" y="1326600"/>
+            <a:ext cx="9071640" cy="3288240"/>
+          </a:xfrm>
+          <a:prstGeom prst="rect">
+            <a:avLst/>
+          </a:prstGeom>
+          <a:noFill/>
+          <a:ln>
+            <a:noFill/>
+          </a:ln>
+        </p:spPr>
+        <p:txBody>
+          <a:bodyPr lIns="0" rIns="0" tIns="0" bIns="0">
+            <a:normAutofit/>
+          </a:bodyPr>
+          <a:p>
+            <a:endParaRPr b="0" lang="fr-CH" sz="3200" spc="-1" strike="noStrike">
+              <a:latin typeface="Arial"/>
+            </a:endParaRPr>
+          </a:p>
+        </p:txBody>
+      </p:sp>
+      <p:pic>
+        <p:nvPicPr>
+          <p:cNvPr id="127" name="" descr=""/>
+          <p:cNvPicPr/>
+          <p:nvPr/>
+        </p:nvPicPr>
+        <p:blipFill>
+          <a:blip r:embed="rId1"/>
+          <a:stretch/>
+        </p:blipFill>
+        <p:spPr>
+          <a:xfrm>
+            <a:off x="403200" y="1360080"/>
+            <a:ext cx="9316800" cy="3607920"/>
+          </a:xfrm>
+          <a:prstGeom prst="rect">
+            <a:avLst/>
+          </a:prstGeom>
+          <a:ln>
+            <a:noFill/>
+          </a:ln>
+        </p:spPr>
+      </p:pic>
+    </p:spTree>
+  </p:cSld>
+  <mc:AlternateContent>
+    <mc:Choice Requires="p14">
+      <p:transition spd="slow" p14:dur="2000"/>
+    </mc:Choice>
+    <mc:Fallback>
+      <p:transition spd="slow"/>
+    </mc:Fallback>
+  </mc:AlternateContent>
+</p:sld>
+</file>
+
+<file path=ppt/slides/slide13.xml><?xml version="1.0" encoding="utf-8"?>
+<p:sld xmlns:a="http://schemas.openxmlformats.org/drawingml/2006/main" xmlns:p="http://schemas.openxmlformats.org/presentationml/2006/main" xmlns:r="http://schemas.openxmlformats.org/officeDocument/2006/relationships" xmlns:p14="http://schemas.microsoft.com/office/powerpoint/2010/main" xmlns:p15="http://schemas.microsoft.com/office/powerpoint/2012/main" xmlns:mc="http://schemas.openxmlformats.org/markup-compatibility/2006">
+  <p:cSld>
+    <p:spTree>
+      <p:nvGrpSpPr>
+        <p:cNvPr id="1" name=""/>
+        <p:cNvGrpSpPr/>
+        <p:nvPr/>
+      </p:nvGrpSpPr>
+      <p:grpSpPr>
+        <a:xfrm>
+          <a:off x="0" y="0"/>
+          <a:ext cx="0" cy="0"/>
+          <a:chOff x="0" y="0"/>
+          <a:chExt cx="0" cy="0"/>
+        </a:xfrm>
+      </p:grpSpPr>
+      <p:sp>
+        <p:nvSpPr>
+          <p:cNvPr id="128" name="TextShape 1"/>
+          <p:cNvSpPr txBox="1"/>
+          <p:nvPr/>
+        </p:nvSpPr>
+        <p:spPr>
+          <a:xfrm>
+            <a:off x="504000" y="226080"/>
+            <a:ext cx="9071640" cy="946440"/>
+          </a:xfrm>
+          <a:prstGeom prst="rect">
+            <a:avLst/>
+          </a:prstGeom>
+          <a:noFill/>
+          <a:ln>
+            <a:noFill/>
+          </a:ln>
+        </p:spPr>
+        <p:txBody>
+          <a:bodyPr lIns="0" rIns="0" tIns="0" bIns="0" anchor="ctr">
+            <a:noAutofit/>
+          </a:bodyPr>
+          <a:p>
+            <a:pPr algn="ctr"/>
+            <a:r>
+              <a:rPr b="0" lang="fr-CH" sz="4400" spc="-1" strike="noStrike">
+                <a:latin typeface="Arial"/>
+              </a:rPr>
               <a:t>TDD et enseignement</a:t>
             </a:r>
             <a:endParaRPr b="0" lang="fr-CH" sz="4400" spc="-1" strike="noStrike">
@@ -2159,7 +4243,301 @@
       </p:sp>
       <p:sp>
         <p:nvSpPr>
-          <p:cNvPr id="77" name="TextShape 2"/>
+          <p:cNvPr id="129" name="TextShape 2"/>
+          <p:cNvSpPr txBox="1"/>
+          <p:nvPr/>
+        </p:nvSpPr>
+        <p:spPr>
+          <a:xfrm>
+            <a:off x="504000" y="1326600"/>
+            <a:ext cx="9071640" cy="3288240"/>
+          </a:xfrm>
+          <a:prstGeom prst="rect">
+            <a:avLst/>
+          </a:prstGeom>
+          <a:noFill/>
+          <a:ln>
+            <a:noFill/>
+          </a:ln>
+        </p:spPr>
+        <p:txBody>
+          <a:bodyPr lIns="0" rIns="0" tIns="0" bIns="0">
+            <a:normAutofit/>
+          </a:bodyPr>
+          <a:p>
+            <a:pPr marL="432000" indent="-324000">
+              <a:spcBef>
+                <a:spcPts val="1417"/>
+              </a:spcBef>
+              <a:buClr>
+                <a:srgbClr val="000000"/>
+              </a:buClr>
+              <a:buSzPct val="45000"/>
+              <a:buFont typeface="Wingdings" charset="2"/>
+              <a:buChar char=""/>
+            </a:pPr>
+            <a:r>
+              <a:rPr b="0" lang="fr-CH" sz="3200" spc="-1" strike="noStrike">
+                <a:latin typeface="Arial"/>
+              </a:rPr>
+              <a:t>Enseigner le TDD au sens strict aux étudiants : difficile</a:t>
+            </a:r>
+            <a:endParaRPr b="0" lang="fr-CH" sz="3200" spc="-1" strike="noStrike">
+              <a:latin typeface="Arial"/>
+            </a:endParaRPr>
+          </a:p>
+          <a:p>
+            <a:pPr lvl="1" marL="864000" indent="-324000">
+              <a:spcBef>
+                <a:spcPts val="1134"/>
+              </a:spcBef>
+              <a:buClr>
+                <a:srgbClr val="000000"/>
+              </a:buClr>
+              <a:buSzPct val="75000"/>
+              <a:buFont typeface="Symbol" charset="2"/>
+              <a:buChar char=""/>
+            </a:pPr>
+            <a:r>
+              <a:rPr b="0" lang="fr-CH" sz="2800" spc="-1" strike="noStrike">
+                <a:latin typeface="Arial"/>
+              </a:rPr>
+              <a:t>Il faut avoir des notions de programmation </a:t>
+            </a:r>
+            <a:endParaRPr b="0" lang="fr-CH" sz="2800" spc="-1" strike="noStrike">
+              <a:latin typeface="Arial"/>
+            </a:endParaRPr>
+          </a:p>
+          <a:p>
+            <a:pPr lvl="1" marL="864000" indent="-324000">
+              <a:spcBef>
+                <a:spcPts val="1134"/>
+              </a:spcBef>
+              <a:buClr>
+                <a:srgbClr val="000000"/>
+              </a:buClr>
+              <a:buSzPct val="75000"/>
+              <a:buFont typeface="Symbol" charset="2"/>
+              <a:buChar char=""/>
+            </a:pPr>
+            <a:r>
+              <a:rPr b="0" lang="fr-CH" sz="2800" spc="-1" strike="noStrike">
+                <a:latin typeface="Arial"/>
+              </a:rPr>
+              <a:t>Testé avec des étudiants universitaire</a:t>
+            </a:r>
+            <a:endParaRPr b="0" lang="fr-CH" sz="2800" spc="-1" strike="noStrike">
+              <a:latin typeface="Arial"/>
+            </a:endParaRPr>
+          </a:p>
+        </p:txBody>
+      </p:sp>
+    </p:spTree>
+  </p:cSld>
+  <mc:AlternateContent>
+    <mc:Choice Requires="p14">
+      <p:transition spd="slow" p14:dur="2000"/>
+    </mc:Choice>
+    <mc:Fallback>
+      <p:transition spd="slow"/>
+    </mc:Fallback>
+  </mc:AlternateContent>
+</p:sld>
+</file>
+
+<file path=ppt/slides/slide14.xml><?xml version="1.0" encoding="utf-8"?>
+<p:sld xmlns:a="http://schemas.openxmlformats.org/drawingml/2006/main" xmlns:p="http://schemas.openxmlformats.org/presentationml/2006/main" xmlns:r="http://schemas.openxmlformats.org/officeDocument/2006/relationships" xmlns:p14="http://schemas.microsoft.com/office/powerpoint/2010/main" xmlns:p15="http://schemas.microsoft.com/office/powerpoint/2012/main" xmlns:mc="http://schemas.openxmlformats.org/markup-compatibility/2006">
+  <p:cSld>
+    <p:spTree>
+      <p:nvGrpSpPr>
+        <p:cNvPr id="1" name=""/>
+        <p:cNvGrpSpPr/>
+        <p:nvPr/>
+      </p:nvGrpSpPr>
+      <p:grpSpPr>
+        <a:xfrm>
+          <a:off x="0" y="0"/>
+          <a:ext cx="0" cy="0"/>
+          <a:chOff x="0" y="0"/>
+          <a:chExt cx="0" cy="0"/>
+        </a:xfrm>
+      </p:grpSpPr>
+      <p:sp>
+        <p:nvSpPr>
+          <p:cNvPr id="130" name="TextShape 1"/>
+          <p:cNvSpPr txBox="1"/>
+          <p:nvPr/>
+        </p:nvSpPr>
+        <p:spPr>
+          <a:xfrm>
+            <a:off x="504000" y="226080"/>
+            <a:ext cx="9071640" cy="946440"/>
+          </a:xfrm>
+          <a:prstGeom prst="rect">
+            <a:avLst/>
+          </a:prstGeom>
+          <a:noFill/>
+          <a:ln>
+            <a:noFill/>
+          </a:ln>
+        </p:spPr>
+        <p:txBody>
+          <a:bodyPr lIns="0" rIns="0" tIns="0" bIns="0" anchor="ctr">
+            <a:noAutofit/>
+          </a:bodyPr>
+          <a:p>
+            <a:pPr algn="ctr"/>
+            <a:r>
+              <a:rPr b="0" lang="fr-CH" sz="4400" spc="-1" strike="noStrike">
+                <a:latin typeface="Arial"/>
+              </a:rPr>
+              <a:t>TDD et enseignement</a:t>
+            </a:r>
+            <a:endParaRPr b="0" lang="fr-CH" sz="4400" spc="-1" strike="noStrike">
+              <a:latin typeface="Arial"/>
+            </a:endParaRPr>
+          </a:p>
+        </p:txBody>
+      </p:sp>
+      <p:sp>
+        <p:nvSpPr>
+          <p:cNvPr id="131" name="TextShape 2"/>
+          <p:cNvSpPr txBox="1"/>
+          <p:nvPr/>
+        </p:nvSpPr>
+        <p:spPr>
+          <a:xfrm>
+            <a:off x="504000" y="1326600"/>
+            <a:ext cx="9071640" cy="3288240"/>
+          </a:xfrm>
+          <a:prstGeom prst="rect">
+            <a:avLst/>
+          </a:prstGeom>
+          <a:noFill/>
+          <a:ln>
+            <a:noFill/>
+          </a:ln>
+        </p:spPr>
+        <p:txBody>
+          <a:bodyPr lIns="0" rIns="0" tIns="0" bIns="0">
+            <a:normAutofit/>
+          </a:bodyPr>
+          <a:p>
+            <a:pPr marL="432000" indent="-324000">
+              <a:spcBef>
+                <a:spcPts val="1417"/>
+              </a:spcBef>
+              <a:buClr>
+                <a:srgbClr val="000000"/>
+              </a:buClr>
+              <a:buSzPct val="45000"/>
+              <a:buFont typeface="Wingdings" charset="2"/>
+              <a:buChar char=""/>
+            </a:pPr>
+            <a:r>
+              <a:rPr b="0" lang="fr-CH" sz="3200" spc="-1" strike="noStrike">
+                <a:latin typeface="Arial"/>
+              </a:rPr>
+              <a:t>Cours introduction à la programmation</a:t>
+            </a:r>
+            <a:endParaRPr b="0" lang="fr-CH" sz="3200" spc="-1" strike="noStrike">
+              <a:latin typeface="Arial"/>
+            </a:endParaRPr>
+          </a:p>
+          <a:p>
+            <a:pPr lvl="1" marL="864000" indent="-324000">
+              <a:spcBef>
+                <a:spcPts val="1134"/>
+              </a:spcBef>
+              <a:buClr>
+                <a:srgbClr val="000000"/>
+              </a:buClr>
+              <a:buSzPct val="75000"/>
+              <a:buFont typeface="Symbol" charset="2"/>
+              <a:buChar char=""/>
+            </a:pPr>
+            <a:r>
+              <a:rPr b="0" lang="fr-CH" sz="2800" spc="-1" strike="noStrike">
+                <a:latin typeface="Arial"/>
+              </a:rPr>
+              <a:t>Développer des tests pour tester le code des étudiants, avant même que ceux-ci soient faits</a:t>
+            </a:r>
+            <a:endParaRPr b="0" lang="fr-CH" sz="2800" spc="-1" strike="noStrike">
+              <a:latin typeface="Arial"/>
+            </a:endParaRPr>
+          </a:p>
+        </p:txBody>
+      </p:sp>
+    </p:spTree>
+  </p:cSld>
+  <mc:AlternateContent>
+    <mc:Choice Requires="p14">
+      <p:transition spd="slow" p14:dur="2000"/>
+    </mc:Choice>
+    <mc:Fallback>
+      <p:transition spd="slow"/>
+    </mc:Fallback>
+  </mc:AlternateContent>
+</p:sld>
+</file>
+
+<file path=ppt/slides/slide15.xml><?xml version="1.0" encoding="utf-8"?>
+<p:sld xmlns:a="http://schemas.openxmlformats.org/drawingml/2006/main" xmlns:p="http://schemas.openxmlformats.org/presentationml/2006/main" xmlns:r="http://schemas.openxmlformats.org/officeDocument/2006/relationships" xmlns:p14="http://schemas.microsoft.com/office/powerpoint/2010/main" xmlns:p15="http://schemas.microsoft.com/office/powerpoint/2012/main" xmlns:mc="http://schemas.openxmlformats.org/markup-compatibility/2006">
+  <p:cSld>
+    <p:spTree>
+      <p:nvGrpSpPr>
+        <p:cNvPr id="1" name=""/>
+        <p:cNvGrpSpPr/>
+        <p:nvPr/>
+      </p:nvGrpSpPr>
+      <p:grpSpPr>
+        <a:xfrm>
+          <a:off x="0" y="0"/>
+          <a:ext cx="0" cy="0"/>
+          <a:chOff x="0" y="0"/>
+          <a:chExt cx="0" cy="0"/>
+        </a:xfrm>
+      </p:grpSpPr>
+      <p:sp>
+        <p:nvSpPr>
+          <p:cNvPr id="132" name="TextShape 1"/>
+          <p:cNvSpPr txBox="1"/>
+          <p:nvPr/>
+        </p:nvSpPr>
+        <p:spPr>
+          <a:xfrm>
+            <a:off x="504000" y="226080"/>
+            <a:ext cx="9071640" cy="946440"/>
+          </a:xfrm>
+          <a:prstGeom prst="rect">
+            <a:avLst/>
+          </a:prstGeom>
+          <a:noFill/>
+          <a:ln>
+            <a:noFill/>
+          </a:ln>
+        </p:spPr>
+        <p:txBody>
+          <a:bodyPr lIns="0" rIns="0" tIns="0" bIns="0" anchor="ctr">
+            <a:noAutofit/>
+          </a:bodyPr>
+          <a:p>
+            <a:pPr algn="ctr"/>
+            <a:r>
+              <a:rPr b="0" lang="fr-CH" sz="4400" spc="-1" strike="noStrike">
+                <a:latin typeface="Arial"/>
+              </a:rPr>
+              <a:t>TDD et enseignement</a:t>
+            </a:r>
+            <a:endParaRPr b="0" lang="fr-CH" sz="4400" spc="-1" strike="noStrike">
+              <a:latin typeface="Arial"/>
+            </a:endParaRPr>
+          </a:p>
+        </p:txBody>
+      </p:sp>
+      <p:sp>
+        <p:nvSpPr>
+          <p:cNvPr id="133" name="TextShape 2"/>
           <p:cNvSpPr txBox="1"/>
           <p:nvPr/>
         </p:nvSpPr>
@@ -2236,14 +4614,14 @@
       </p:grpSpPr>
       <p:sp>
         <p:nvSpPr>
-          <p:cNvPr id="42" name="TextShape 1"/>
-          <p:cNvSpPr txBox="1"/>
+          <p:cNvPr id="86" name="CustomShape 1"/>
+          <p:cNvSpPr/>
           <p:nvPr/>
         </p:nvSpPr>
         <p:spPr>
           <a:xfrm>
-            <a:off x="504000" y="226080"/>
-            <a:ext cx="9071640" cy="946440"/>
+            <a:off x="343440" y="490320"/>
+            <a:ext cx="9392040" cy="630720"/>
           </a:xfrm>
           <a:prstGeom prst="rect">
             <a:avLst/>
@@ -2251,47 +4629,6 @@
           <a:noFill/>
           <a:ln>
             <a:noFill/>
-          </a:ln>
-        </p:spPr>
-        <p:txBody>
-          <a:bodyPr lIns="0" rIns="0" tIns="0" bIns="0" anchor="ctr">
-            <a:noAutofit/>
-          </a:bodyPr>
-          <a:p>
-            <a:pPr algn="ctr"/>
-            <a:r>
-              <a:rPr b="0" lang="fr-CH" sz="4400" spc="-1" strike="noStrike">
-                <a:latin typeface="Arial"/>
-              </a:rPr>
-              <a:t>Software engineering</a:t>
-            </a:r>
-            <a:endParaRPr b="0" lang="fr-CH" sz="4400" spc="-1" strike="noStrike">
-              <a:latin typeface="Arial"/>
-            </a:endParaRPr>
-          </a:p>
-        </p:txBody>
-      </p:sp>
-      <p:sp>
-        <p:nvSpPr>
-          <p:cNvPr id="43" name="CustomShape 2"/>
-          <p:cNvSpPr/>
-          <p:nvPr/>
-        </p:nvSpPr>
-        <p:spPr>
-          <a:xfrm>
-            <a:off x="648000" y="1728000"/>
-            <a:ext cx="1440000" cy="720000"/>
-          </a:xfrm>
-          <a:prstGeom prst="rect">
-            <a:avLst/>
-          </a:prstGeom>
-          <a:solidFill>
-            <a:srgbClr val="729fcf"/>
-          </a:solidFill>
-          <a:ln>
-            <a:solidFill>
-              <a:srgbClr val="3465a4"/>
-            </a:solidFill>
           </a:ln>
         </p:spPr>
         <p:style>
@@ -2301,42 +4638,51 @@
           <a:fontRef idx="minor"/>
         </p:style>
         <p:txBody>
-          <a:bodyPr wrap="none" lIns="90000" rIns="90000" tIns="45000" bIns="45000" anchor="ctr">
-            <a:noAutofit/>
-          </a:bodyPr>
-          <a:p>
-            <a:pPr algn="ctr"/>
-            <a:r>
-              <a:rPr b="0" lang="fr-CH" sz="1800" spc="-1" strike="noStrike">
-                <a:latin typeface="Arial"/>
-              </a:rPr>
-              <a:t>Design</a:t>
-            </a:r>
-            <a:endParaRPr b="0" lang="fr-CH" sz="1800" spc="-1" strike="noStrike">
-              <a:latin typeface="Arial"/>
-            </a:endParaRPr>
-          </a:p>
-        </p:txBody>
-      </p:sp>
-      <p:sp>
-        <p:nvSpPr>
-          <p:cNvPr id="44" name="Line 3"/>
+          <a:bodyPr lIns="90000" rIns="90000" tIns="91440" bIns="91440">
+            <a:normAutofit/>
+          </a:bodyPr>
+          <a:p>
+            <a:pPr>
+              <a:lnSpc>
+                <a:spcPct val="100000"/>
+              </a:lnSpc>
+              <a:tabLst>
+                <a:tab algn="l" pos="0"/>
+              </a:tabLst>
+            </a:pPr>
+            <a:r>
+              <a:rPr b="0" lang="fr-FR" sz="2800" spc="-1" strike="noStrike">
+                <a:solidFill>
+                  <a:srgbClr val="000000"/>
+                </a:solidFill>
+                <a:latin typeface="Arial"/>
+                <a:ea typeface="Arial"/>
+              </a:rPr>
+              <a:t>Psychologie des tests dans le développement</a:t>
+            </a:r>
+            <a:endParaRPr b="0" lang="fr-CH" sz="2800" spc="-1" strike="noStrike">
+              <a:latin typeface="Arial"/>
+            </a:endParaRPr>
+          </a:p>
+        </p:txBody>
+      </p:sp>
+      <p:sp>
+        <p:nvSpPr>
+          <p:cNvPr id="87" name="CustomShape 2"/>
           <p:cNvSpPr/>
           <p:nvPr/>
         </p:nvSpPr>
         <p:spPr>
           <a:xfrm>
-            <a:off x="2160000" y="2088000"/>
-            <a:ext cx="1728000" cy="0"/>
-          </a:xfrm>
-          <a:prstGeom prst="line">
-            <a:avLst/>
-          </a:prstGeom>
+            <a:off x="343440" y="1270080"/>
+            <a:ext cx="9392040" cy="3765240"/>
+          </a:xfrm>
+          <a:prstGeom prst="rect">
+            <a:avLst/>
+          </a:prstGeom>
+          <a:noFill/>
           <a:ln>
-            <a:solidFill>
-              <a:srgbClr val="3465a4"/>
-            </a:solidFill>
-            <a:tailEnd len="med" type="triangle" w="med"/>
+            <a:noFill/>
           </a:ln>
         </p:spPr>
         <p:style>
@@ -2345,211 +4691,439 @@
           <a:effectRef idx="0"/>
           <a:fontRef idx="minor"/>
         </p:style>
-      </p:sp>
-      <p:sp>
-        <p:nvSpPr>
-          <p:cNvPr id="45" name="CustomShape 4"/>
-          <p:cNvSpPr/>
+        <p:txBody>
+          <a:bodyPr lIns="90000" rIns="90000" tIns="91440" bIns="91440">
+            <a:normAutofit fontScale="66000"/>
+          </a:bodyPr>
+          <a:p>
+            <a:pPr>
+              <a:lnSpc>
+                <a:spcPct val="115000"/>
+              </a:lnSpc>
+              <a:tabLst>
+                <a:tab algn="l" pos="0"/>
+              </a:tabLst>
+            </a:pPr>
+            <a:r>
+              <a:rPr b="0" lang="fr-FR" sz="1800" spc="-1" strike="noStrike">
+                <a:solidFill>
+                  <a:srgbClr val="595959"/>
+                </a:solidFill>
+                <a:latin typeface="Arial"/>
+                <a:ea typeface="Arial"/>
+              </a:rPr>
+              <a:t>“</a:t>
+            </a:r>
+            <a:r>
+              <a:rPr b="0" lang="fr-FR" sz="1800" spc="-1" strike="noStrike">
+                <a:solidFill>
+                  <a:srgbClr val="595959"/>
+                </a:solidFill>
+                <a:latin typeface="Arial"/>
+                <a:ea typeface="Arial"/>
+              </a:rPr>
+              <a:t>Testing is the process of </a:t>
+            </a:r>
+            <a:r>
+              <a:rPr b="0" lang="fr-FR" sz="1800" spc="-1" strike="noStrike">
+                <a:solidFill>
+                  <a:srgbClr val="0097a7"/>
+                </a:solidFill>
+                <a:latin typeface="Arial"/>
+                <a:ea typeface="Arial"/>
+              </a:rPr>
+              <a:t>executing</a:t>
+            </a:r>
+            <a:r>
+              <a:rPr b="0" lang="fr-FR" sz="1800" spc="-1" strike="noStrike">
+                <a:solidFill>
+                  <a:srgbClr val="595959"/>
+                </a:solidFill>
+                <a:latin typeface="Arial"/>
+                <a:ea typeface="Arial"/>
+              </a:rPr>
+              <a:t> a program with the </a:t>
+            </a:r>
+            <a:r>
+              <a:rPr b="0" lang="fr-FR" sz="1800" spc="-1" strike="noStrike">
+                <a:solidFill>
+                  <a:srgbClr val="0097a7"/>
+                </a:solidFill>
+                <a:latin typeface="Arial"/>
+                <a:ea typeface="Arial"/>
+              </a:rPr>
+              <a:t>intent of finding errors</a:t>
+            </a:r>
+            <a:r>
+              <a:rPr b="0" lang="fr-FR" sz="1800" spc="-1" strike="noStrike">
+                <a:solidFill>
+                  <a:srgbClr val="595959"/>
+                </a:solidFill>
+                <a:latin typeface="Arial"/>
+                <a:ea typeface="Arial"/>
+              </a:rPr>
+              <a:t>.”</a:t>
+            </a:r>
+            <a:endParaRPr b="0" lang="fr-CH" sz="1800" spc="-1" strike="noStrike">
+              <a:latin typeface="Arial"/>
+            </a:endParaRPr>
+          </a:p>
+          <a:p>
+            <a:pPr algn="r">
+              <a:lnSpc>
+                <a:spcPct val="115000"/>
+              </a:lnSpc>
+              <a:spcBef>
+                <a:spcPts val="1199"/>
+              </a:spcBef>
+              <a:tabLst>
+                <a:tab algn="l" pos="0"/>
+              </a:tabLst>
+            </a:pPr>
+            <a:r>
+              <a:rPr b="0" lang="fr-FR" sz="1800" spc="-1" strike="noStrike">
+                <a:solidFill>
+                  <a:srgbClr val="595959"/>
+                </a:solidFill>
+                <a:latin typeface="Arial"/>
+                <a:ea typeface="Arial"/>
+              </a:rPr>
+              <a:t>Glenford J. Myers, </a:t>
+            </a:r>
+            <a:r>
+              <a:rPr b="0" i="1" lang="fr-FR" sz="1800" spc="-1" strike="noStrike">
+                <a:solidFill>
+                  <a:srgbClr val="595959"/>
+                </a:solidFill>
+                <a:latin typeface="Arial"/>
+                <a:ea typeface="Arial"/>
+              </a:rPr>
+              <a:t>The art of software testing</a:t>
+            </a:r>
+            <a:r>
+              <a:rPr b="0" lang="fr-FR" sz="1800" spc="-1" strike="noStrike">
+                <a:solidFill>
+                  <a:srgbClr val="595959"/>
+                </a:solidFill>
+                <a:latin typeface="Arial"/>
+                <a:ea typeface="Arial"/>
+              </a:rPr>
+              <a:t> </a:t>
+            </a:r>
+            <a:r>
+              <a:rPr b="1" lang="fr-FR" sz="1800" spc="-1" strike="noStrike">
+                <a:solidFill>
+                  <a:srgbClr val="595959"/>
+                </a:solidFill>
+                <a:latin typeface="Arial"/>
+                <a:ea typeface="Arial"/>
+              </a:rPr>
+              <a:t>(</a:t>
+            </a:r>
+            <a:r>
+              <a:rPr b="1" lang="fr-FR" sz="1800" spc="-1" strike="noStrike">
+                <a:solidFill>
+                  <a:srgbClr val="0097a7"/>
+                </a:solidFill>
+                <a:latin typeface="Arial"/>
+                <a:ea typeface="Arial"/>
+              </a:rPr>
+              <a:t>1969</a:t>
+            </a:r>
+            <a:r>
+              <a:rPr b="1" lang="fr-FR" sz="1800" spc="-1" strike="noStrike">
+                <a:solidFill>
+                  <a:srgbClr val="595959"/>
+                </a:solidFill>
+                <a:latin typeface="Arial"/>
+                <a:ea typeface="Arial"/>
+              </a:rPr>
+              <a:t>).</a:t>
+            </a:r>
+            <a:endParaRPr b="0" lang="fr-CH" sz="1800" spc="-1" strike="noStrike">
+              <a:latin typeface="Arial"/>
+            </a:endParaRPr>
+          </a:p>
+          <a:p>
+            <a:pPr algn="r">
+              <a:lnSpc>
+                <a:spcPct val="115000"/>
+              </a:lnSpc>
+              <a:spcBef>
+                <a:spcPts val="1199"/>
+              </a:spcBef>
+              <a:tabLst>
+                <a:tab algn="l" pos="0"/>
+              </a:tabLst>
+            </a:pPr>
+            <a:endParaRPr b="0" lang="fr-CH" sz="1800" spc="-1" strike="noStrike">
+              <a:latin typeface="Arial"/>
+            </a:endParaRPr>
+          </a:p>
+          <a:p>
+            <a:pPr marL="457200" indent="-342360">
+              <a:lnSpc>
+                <a:spcPct val="150000"/>
+              </a:lnSpc>
+              <a:spcBef>
+                <a:spcPts val="1199"/>
+              </a:spcBef>
+              <a:buClr>
+                <a:srgbClr val="595959"/>
+              </a:buClr>
+              <a:buFont typeface="Arial"/>
+              <a:buChar char="●"/>
+              <a:tabLst>
+                <a:tab algn="l" pos="0"/>
+              </a:tabLst>
+            </a:pPr>
+            <a:r>
+              <a:rPr b="0" lang="fr-FR" sz="1800" spc="-1" strike="noStrike">
+                <a:solidFill>
+                  <a:srgbClr val="595959"/>
+                </a:solidFill>
+                <a:latin typeface="Arial"/>
+                <a:ea typeface="Arial"/>
+              </a:rPr>
+              <a:t>Les humains sont faillibles ∧  les humains écrivent des programmes ⇒  </a:t>
+            </a:r>
+            <a:r>
+              <a:rPr b="0" lang="fr-FR" sz="1800" spc="-1" strike="noStrike">
+                <a:solidFill>
+                  <a:srgbClr val="0097a7"/>
+                </a:solidFill>
+                <a:latin typeface="Arial"/>
+                <a:ea typeface="Arial"/>
+              </a:rPr>
+              <a:t>tous les programmes ont des bugs</a:t>
+            </a:r>
+            <a:endParaRPr b="0" lang="fr-CH" sz="1800" spc="-1" strike="noStrike">
+              <a:latin typeface="Arial"/>
+            </a:endParaRPr>
+          </a:p>
+          <a:p>
+            <a:pPr marL="457200" indent="-342360">
+              <a:lnSpc>
+                <a:spcPct val="150000"/>
+              </a:lnSpc>
+              <a:spcBef>
+                <a:spcPts val="1199"/>
+              </a:spcBef>
+              <a:buClr>
+                <a:srgbClr val="595959"/>
+              </a:buClr>
+              <a:buFont typeface="Arial"/>
+              <a:buChar char="●"/>
+              <a:tabLst>
+                <a:tab algn="l" pos="0"/>
+              </a:tabLst>
+            </a:pPr>
+            <a:r>
+              <a:rPr b="0" lang="fr-FR" sz="1800" spc="-1" strike="noStrike">
+                <a:solidFill>
+                  <a:srgbClr val="0097a7"/>
+                </a:solidFill>
+                <a:latin typeface="Arial"/>
+                <a:ea typeface="Arial"/>
+              </a:rPr>
+              <a:t>Les tests ≃  50%</a:t>
+            </a:r>
+            <a:r>
+              <a:rPr b="0" lang="fr-FR" sz="1800" spc="-1" strike="noStrike">
+                <a:solidFill>
+                  <a:srgbClr val="595959"/>
+                </a:solidFill>
+                <a:latin typeface="Arial"/>
+                <a:ea typeface="Arial"/>
+              </a:rPr>
+              <a:t> du coût et du temps dans un projet </a:t>
+            </a:r>
+            <a:endParaRPr b="0" lang="fr-CH" sz="1800" spc="-1" strike="noStrike">
+              <a:latin typeface="Arial"/>
+            </a:endParaRPr>
+          </a:p>
+          <a:p>
+            <a:pPr lvl="1" marL="432000" indent="-216000">
+              <a:lnSpc>
+                <a:spcPct val="150000"/>
+              </a:lnSpc>
+              <a:spcBef>
+                <a:spcPts val="1199"/>
+              </a:spcBef>
+              <a:buClr>
+                <a:srgbClr val="000000"/>
+              </a:buClr>
+              <a:buSzPct val="45000"/>
+              <a:buFont typeface="Wingdings" charset="2"/>
+              <a:buChar char=""/>
+              <a:tabLst>
+                <a:tab algn="l" pos="0"/>
+              </a:tabLst>
+            </a:pPr>
+            <a:r>
+              <a:rPr b="0" lang="fr-FR" sz="1800" spc="-1" strike="noStrike">
+                <a:solidFill>
+                  <a:srgbClr val="595959"/>
+                </a:solidFill>
+                <a:latin typeface="Arial"/>
+                <a:ea typeface="Arial"/>
+              </a:rPr>
+              <a:t>Estimation stable sur différents type de projet et de style de développement </a:t>
+            </a:r>
+            <a:endParaRPr b="0" lang="fr-CH" sz="1800" spc="-1" strike="noStrike">
+              <a:latin typeface="Arial"/>
+            </a:endParaRPr>
+          </a:p>
+          <a:p>
+            <a:pPr lvl="1" marL="432000" indent="-216000">
+              <a:lnSpc>
+                <a:spcPct val="150000"/>
+              </a:lnSpc>
+              <a:spcBef>
+                <a:spcPts val="1199"/>
+              </a:spcBef>
+              <a:buClr>
+                <a:srgbClr val="000000"/>
+              </a:buClr>
+              <a:buSzPct val="45000"/>
+              <a:buFont typeface="Wingdings" charset="2"/>
+              <a:buChar char=""/>
+              <a:tabLst>
+                <a:tab algn="l" pos="0"/>
+              </a:tabLst>
+            </a:pPr>
+            <a:r>
+              <a:rPr b="0" lang="fr-FR" sz="1800" spc="-1" strike="noStrike">
+                <a:solidFill>
+                  <a:srgbClr val="595959"/>
+                </a:solidFill>
+                <a:latin typeface="Arial"/>
+                <a:ea typeface="Arial"/>
+              </a:rPr>
+              <a:t>Estimation stable au cours du temps</a:t>
+            </a:r>
+            <a:endParaRPr b="0" lang="fr-CH" sz="1800" spc="-1" strike="noStrike">
+              <a:latin typeface="Arial"/>
+            </a:endParaRPr>
+          </a:p>
+          <a:p>
+            <a:pPr lvl="1" marL="432000" indent="-216000">
+              <a:lnSpc>
+                <a:spcPct val="150000"/>
+              </a:lnSpc>
+              <a:spcBef>
+                <a:spcPts val="1199"/>
+              </a:spcBef>
+              <a:buClr>
+                <a:srgbClr val="000000"/>
+              </a:buClr>
+              <a:buSzPct val="45000"/>
+              <a:buFont typeface="Wingdings" charset="2"/>
+              <a:buChar char=""/>
+              <a:tabLst>
+                <a:tab algn="l" pos="0"/>
+              </a:tabLst>
+            </a:pPr>
+            <a:r>
+              <a:rPr b="0" lang="fr-FR" sz="1800" spc="-1" strike="noStrike">
+                <a:solidFill>
+                  <a:srgbClr val="595959"/>
+                </a:solidFill>
+                <a:latin typeface="Arial"/>
+                <a:ea typeface="Arial"/>
+              </a:rPr>
+              <a:t>Ceci incluse l’identification des bugs, diagnostic du problème, trouver une solution, implémentaiton et test du nouveau code</a:t>
+            </a:r>
+            <a:r>
+              <a:rPr b="0" lang="fr-FR" sz="1400" spc="-1" strike="noStrike">
+                <a:solidFill>
+                  <a:srgbClr val="595959"/>
+                </a:solidFill>
+                <a:latin typeface="Arial"/>
+                <a:ea typeface="Arial"/>
+              </a:rPr>
+              <a:t>.</a:t>
+            </a:r>
+            <a:endParaRPr b="0" lang="fr-CH" sz="1400" spc="-1" strike="noStrike">
+              <a:latin typeface="Arial"/>
+            </a:endParaRPr>
+          </a:p>
+          <a:p>
+            <a:pPr>
+              <a:lnSpc>
+                <a:spcPct val="150000"/>
+              </a:lnSpc>
+              <a:spcBef>
+                <a:spcPts val="1199"/>
+              </a:spcBef>
+              <a:tabLst>
+                <a:tab algn="l" pos="0"/>
+              </a:tabLst>
+            </a:pPr>
+            <a:endParaRPr b="0" lang="fr-CH" sz="1400" spc="-1" strike="noStrike">
+              <a:latin typeface="Arial"/>
+            </a:endParaRPr>
+          </a:p>
+          <a:p>
+            <a:pPr>
+              <a:lnSpc>
+                <a:spcPct val="150000"/>
+              </a:lnSpc>
+              <a:spcBef>
+                <a:spcPts val="1199"/>
+              </a:spcBef>
+              <a:tabLst>
+                <a:tab algn="l" pos="0"/>
+              </a:tabLst>
+            </a:pPr>
+            <a:endParaRPr b="0" lang="fr-CH" sz="1400" spc="-1" strike="noStrike">
+              <a:latin typeface="Arial"/>
+            </a:endParaRPr>
+          </a:p>
+          <a:p>
+            <a:pPr>
+              <a:lnSpc>
+                <a:spcPct val="150000"/>
+              </a:lnSpc>
+              <a:spcBef>
+                <a:spcPts val="1199"/>
+              </a:spcBef>
+              <a:spcAft>
+                <a:spcPts val="1199"/>
+              </a:spcAft>
+              <a:tabLst>
+                <a:tab algn="l" pos="0"/>
+              </a:tabLst>
+            </a:pPr>
+            <a:endParaRPr b="0" lang="fr-CH" sz="1400" spc="-1" strike="noStrike">
+              <a:latin typeface="Arial"/>
+            </a:endParaRPr>
+          </a:p>
+        </p:txBody>
+      </p:sp>
+      <p:pic>
+        <p:nvPicPr>
+          <p:cNvPr id="88" name="Google Shape;85;p15_1" descr=""/>
+          <p:cNvPicPr/>
           <p:nvPr/>
-        </p:nvSpPr>
-        <p:spPr>
-          <a:xfrm>
-            <a:off x="3960000" y="1728000"/>
-            <a:ext cx="1440000" cy="720000"/>
-          </a:xfrm>
-          <a:prstGeom prst="rect">
-            <a:avLst/>
-          </a:prstGeom>
-          <a:solidFill>
-            <a:srgbClr val="729fcf"/>
-          </a:solidFill>
+        </p:nvPicPr>
+        <p:blipFill>
+          <a:blip r:embed="rId1"/>
+          <a:stretch/>
+        </p:blipFill>
+        <p:spPr>
+          <a:xfrm>
+            <a:off x="9085320" y="2414520"/>
+            <a:ext cx="650160" cy="419040"/>
+          </a:xfrm>
+          <a:prstGeom prst="rect">
+            <a:avLst/>
+          </a:prstGeom>
           <a:ln>
-            <a:solidFill>
-              <a:srgbClr val="3465a4"/>
-            </a:solidFill>
+            <a:noFill/>
           </a:ln>
         </p:spPr>
-        <p:style>
-          <a:lnRef idx="0"/>
-          <a:fillRef idx="0"/>
-          <a:effectRef idx="0"/>
-          <a:fontRef idx="minor"/>
-        </p:style>
-        <p:txBody>
-          <a:bodyPr wrap="none" lIns="90000" rIns="90000" tIns="45000" bIns="45000" anchor="ctr">
-            <a:noAutofit/>
-          </a:bodyPr>
-          <a:p>
-            <a:pPr algn="ctr"/>
-            <a:r>
-              <a:rPr b="0" lang="fr-CH" sz="1800" spc="-1" strike="noStrike">
-                <a:latin typeface="Arial"/>
-              </a:rPr>
-              <a:t>Code</a:t>
-            </a:r>
-            <a:endParaRPr b="0" lang="fr-CH" sz="1800" spc="-1" strike="noStrike">
-              <a:latin typeface="Arial"/>
-            </a:endParaRPr>
-          </a:p>
-        </p:txBody>
-      </p:sp>
-      <p:sp>
-        <p:nvSpPr>
-          <p:cNvPr id="46" name="CustomShape 5"/>
-          <p:cNvSpPr/>
-          <p:nvPr/>
-        </p:nvSpPr>
-        <p:spPr>
-          <a:xfrm>
-            <a:off x="7272000" y="1728000"/>
-            <a:ext cx="1440000" cy="720000"/>
-          </a:xfrm>
-          <a:prstGeom prst="rect">
-            <a:avLst/>
-          </a:prstGeom>
-          <a:solidFill>
-            <a:srgbClr val="729fcf"/>
-          </a:solidFill>
-          <a:ln>
-            <a:solidFill>
-              <a:srgbClr val="3465a4"/>
-            </a:solidFill>
-          </a:ln>
-        </p:spPr>
-        <p:style>
-          <a:lnRef idx="0"/>
-          <a:fillRef idx="0"/>
-          <a:effectRef idx="0"/>
-          <a:fontRef idx="minor"/>
-        </p:style>
-        <p:txBody>
-          <a:bodyPr wrap="none" lIns="90000" rIns="90000" tIns="45000" bIns="45000" anchor="ctr">
-            <a:noAutofit/>
-          </a:bodyPr>
-          <a:p>
-            <a:pPr algn="ctr"/>
-            <a:r>
-              <a:rPr b="0" lang="fr-CH" sz="1800" spc="-1" strike="noStrike">
-                <a:latin typeface="Arial"/>
-              </a:rPr>
-              <a:t>Tests</a:t>
-            </a:r>
-            <a:endParaRPr b="0" lang="fr-CH" sz="1800" spc="-1" strike="noStrike">
-              <a:latin typeface="Arial"/>
-            </a:endParaRPr>
-          </a:p>
-        </p:txBody>
-      </p:sp>
-      <p:sp>
-        <p:nvSpPr>
-          <p:cNvPr id="47" name="Line 6"/>
-          <p:cNvSpPr/>
-          <p:nvPr/>
-        </p:nvSpPr>
-        <p:spPr>
-          <a:xfrm>
-            <a:off x="5472000" y="2088000"/>
-            <a:ext cx="1728000" cy="0"/>
-          </a:xfrm>
-          <a:prstGeom prst="line">
-            <a:avLst/>
-          </a:prstGeom>
-          <a:ln>
-            <a:solidFill>
-              <a:srgbClr val="3465a4"/>
-            </a:solidFill>
-            <a:tailEnd len="med" type="triangle" w="med"/>
-          </a:ln>
-        </p:spPr>
-        <p:style>
-          <a:lnRef idx="0"/>
-          <a:fillRef idx="0"/>
-          <a:effectRef idx="0"/>
-          <a:fontRef idx="minor"/>
-        </p:style>
-      </p:sp>
-      <p:sp>
-        <p:nvSpPr>
-          <p:cNvPr id="48" name="Line 7"/>
-          <p:cNvSpPr/>
-          <p:nvPr/>
-        </p:nvSpPr>
-        <p:spPr>
-          <a:xfrm>
-            <a:off x="7776000" y="2664000"/>
-            <a:ext cx="0" cy="504000"/>
-          </a:xfrm>
-          <a:prstGeom prst="line">
-            <a:avLst/>
-          </a:prstGeom>
-          <a:ln>
-            <a:solidFill>
-              <a:srgbClr val="3465a4"/>
-            </a:solidFill>
-          </a:ln>
-        </p:spPr>
-        <p:style>
-          <a:lnRef idx="0"/>
-          <a:fillRef idx="0"/>
-          <a:effectRef idx="0"/>
-          <a:fontRef idx="minor"/>
-        </p:style>
-      </p:sp>
-      <p:sp>
-        <p:nvSpPr>
-          <p:cNvPr id="49" name="Line 8"/>
-          <p:cNvSpPr/>
-          <p:nvPr/>
-        </p:nvSpPr>
-        <p:spPr>
-          <a:xfrm flipH="1">
-            <a:off x="1584000" y="3168000"/>
-            <a:ext cx="6192000" cy="0"/>
-          </a:xfrm>
-          <a:prstGeom prst="line">
-            <a:avLst/>
-          </a:prstGeom>
-          <a:ln>
-            <a:solidFill>
-              <a:srgbClr val="3465a4"/>
-            </a:solidFill>
-          </a:ln>
-        </p:spPr>
-        <p:style>
-          <a:lnRef idx="0"/>
-          <a:fillRef idx="0"/>
-          <a:effectRef idx="0"/>
-          <a:fontRef idx="minor"/>
-        </p:style>
-      </p:sp>
-      <p:sp>
-        <p:nvSpPr>
-          <p:cNvPr id="50" name="Line 9"/>
-          <p:cNvSpPr/>
-          <p:nvPr/>
-        </p:nvSpPr>
-        <p:spPr>
-          <a:xfrm flipV="1">
-            <a:off x="1584000" y="2664000"/>
-            <a:ext cx="0" cy="504000"/>
-          </a:xfrm>
-          <a:prstGeom prst="line">
-            <a:avLst/>
-          </a:prstGeom>
-          <a:ln>
-            <a:solidFill>
-              <a:srgbClr val="3465a4"/>
-            </a:solidFill>
-            <a:tailEnd len="med" type="triangle" w="med"/>
-          </a:ln>
-        </p:spPr>
-        <p:style>
-          <a:lnRef idx="0"/>
-          <a:fillRef idx="0"/>
-          <a:effectRef idx="0"/>
-          <a:fontRef idx="minor"/>
-        </p:style>
-      </p:sp>
+      </p:pic>
     </p:spTree>
   </p:cSld>
   <mc:AlternateContent>
@@ -2582,7 +5156,7 @@
       </p:grpSpPr>
       <p:sp>
         <p:nvSpPr>
-          <p:cNvPr id="51" name="TextShape 1"/>
+          <p:cNvPr id="89" name="TextShape 1"/>
           <p:cNvSpPr txBox="1"/>
           <p:nvPr/>
         </p:nvSpPr>
@@ -2609,7 +5183,7 @@
               <a:rPr b="0" lang="fr-CH" sz="4400" spc="-1" strike="noStrike">
                 <a:latin typeface="Arial"/>
               </a:rPr>
-              <a:t>Problème</a:t>
+              <a:t>Software engineering</a:t>
             </a:r>
             <a:endParaRPr b="0" lang="fr-CH" sz="4400" spc="-1" strike="noStrike">
               <a:latin typeface="Arial"/>
@@ -2619,14 +5193,293 @@
       </p:sp>
       <p:sp>
         <p:nvSpPr>
-          <p:cNvPr id="52" name="TextShape 2"/>
+          <p:cNvPr id="90" name="CustomShape 2"/>
+          <p:cNvSpPr/>
+          <p:nvPr/>
+        </p:nvSpPr>
+        <p:spPr>
+          <a:xfrm>
+            <a:off x="648000" y="1728000"/>
+            <a:ext cx="1440000" cy="720000"/>
+          </a:xfrm>
+          <a:prstGeom prst="rect">
+            <a:avLst/>
+          </a:prstGeom>
+          <a:solidFill>
+            <a:srgbClr val="729fcf"/>
+          </a:solidFill>
+          <a:ln>
+            <a:solidFill>
+              <a:srgbClr val="3465a4"/>
+            </a:solidFill>
+          </a:ln>
+        </p:spPr>
+        <p:style>
+          <a:lnRef idx="0"/>
+          <a:fillRef idx="0"/>
+          <a:effectRef idx="0"/>
+          <a:fontRef idx="minor"/>
+        </p:style>
+        <p:txBody>
+          <a:bodyPr wrap="none" lIns="90000" rIns="90000" tIns="45000" bIns="45000" anchor="ctr">
+            <a:noAutofit/>
+          </a:bodyPr>
+          <a:p>
+            <a:pPr algn="ctr"/>
+            <a:r>
+              <a:rPr b="0" lang="fr-CH" sz="1800" spc="-1" strike="noStrike">
+                <a:latin typeface="Arial"/>
+              </a:rPr>
+              <a:t>Design</a:t>
+            </a:r>
+            <a:endParaRPr b="0" lang="fr-CH" sz="1800" spc="-1" strike="noStrike">
+              <a:latin typeface="Arial"/>
+            </a:endParaRPr>
+          </a:p>
+        </p:txBody>
+      </p:sp>
+      <p:sp>
+        <p:nvSpPr>
+          <p:cNvPr id="91" name="Line 3"/>
+          <p:cNvSpPr/>
+          <p:nvPr/>
+        </p:nvSpPr>
+        <p:spPr>
+          <a:xfrm>
+            <a:off x="2160000" y="2088000"/>
+            <a:ext cx="1728000" cy="0"/>
+          </a:xfrm>
+          <a:prstGeom prst="line">
+            <a:avLst/>
+          </a:prstGeom>
+          <a:ln>
+            <a:solidFill>
+              <a:srgbClr val="3465a4"/>
+            </a:solidFill>
+            <a:tailEnd len="med" type="triangle" w="med"/>
+          </a:ln>
+        </p:spPr>
+        <p:style>
+          <a:lnRef idx="0"/>
+          <a:fillRef idx="0"/>
+          <a:effectRef idx="0"/>
+          <a:fontRef idx="minor"/>
+        </p:style>
+      </p:sp>
+      <p:sp>
+        <p:nvSpPr>
+          <p:cNvPr id="92" name="CustomShape 4"/>
+          <p:cNvSpPr/>
+          <p:nvPr/>
+        </p:nvSpPr>
+        <p:spPr>
+          <a:xfrm>
+            <a:off x="3960000" y="1728000"/>
+            <a:ext cx="1440000" cy="720000"/>
+          </a:xfrm>
+          <a:prstGeom prst="rect">
+            <a:avLst/>
+          </a:prstGeom>
+          <a:solidFill>
+            <a:srgbClr val="729fcf"/>
+          </a:solidFill>
+          <a:ln>
+            <a:solidFill>
+              <a:srgbClr val="3465a4"/>
+            </a:solidFill>
+          </a:ln>
+        </p:spPr>
+        <p:style>
+          <a:lnRef idx="0"/>
+          <a:fillRef idx="0"/>
+          <a:effectRef idx="0"/>
+          <a:fontRef idx="minor"/>
+        </p:style>
+        <p:txBody>
+          <a:bodyPr wrap="none" lIns="90000" rIns="90000" tIns="45000" bIns="45000" anchor="ctr">
+            <a:noAutofit/>
+          </a:bodyPr>
+          <a:p>
+            <a:pPr algn="ctr"/>
+            <a:r>
+              <a:rPr b="0" lang="fr-CH" sz="1800" spc="-1" strike="noStrike">
+                <a:latin typeface="Arial"/>
+              </a:rPr>
+              <a:t>Code</a:t>
+            </a:r>
+            <a:endParaRPr b="0" lang="fr-CH" sz="1800" spc="-1" strike="noStrike">
+              <a:latin typeface="Arial"/>
+            </a:endParaRPr>
+          </a:p>
+        </p:txBody>
+      </p:sp>
+      <p:sp>
+        <p:nvSpPr>
+          <p:cNvPr id="93" name="CustomShape 5"/>
+          <p:cNvSpPr/>
+          <p:nvPr/>
+        </p:nvSpPr>
+        <p:spPr>
+          <a:xfrm>
+            <a:off x="7272000" y="1728000"/>
+            <a:ext cx="1440000" cy="720000"/>
+          </a:xfrm>
+          <a:prstGeom prst="rect">
+            <a:avLst/>
+          </a:prstGeom>
+          <a:solidFill>
+            <a:srgbClr val="729fcf"/>
+          </a:solidFill>
+          <a:ln>
+            <a:solidFill>
+              <a:srgbClr val="3465a4"/>
+            </a:solidFill>
+          </a:ln>
+        </p:spPr>
+        <p:style>
+          <a:lnRef idx="0"/>
+          <a:fillRef idx="0"/>
+          <a:effectRef idx="0"/>
+          <a:fontRef idx="minor"/>
+        </p:style>
+        <p:txBody>
+          <a:bodyPr wrap="none" lIns="90000" rIns="90000" tIns="45000" bIns="45000" anchor="ctr">
+            <a:noAutofit/>
+          </a:bodyPr>
+          <a:p>
+            <a:pPr algn="ctr"/>
+            <a:r>
+              <a:rPr b="0" lang="fr-CH" sz="1800" spc="-1" strike="noStrike">
+                <a:latin typeface="Arial"/>
+              </a:rPr>
+              <a:t>Tests</a:t>
+            </a:r>
+            <a:endParaRPr b="0" lang="fr-CH" sz="1800" spc="-1" strike="noStrike">
+              <a:latin typeface="Arial"/>
+            </a:endParaRPr>
+          </a:p>
+        </p:txBody>
+      </p:sp>
+      <p:sp>
+        <p:nvSpPr>
+          <p:cNvPr id="94" name="Line 6"/>
+          <p:cNvSpPr/>
+          <p:nvPr/>
+        </p:nvSpPr>
+        <p:spPr>
+          <a:xfrm>
+            <a:off x="5472000" y="2088000"/>
+            <a:ext cx="1728000" cy="0"/>
+          </a:xfrm>
+          <a:prstGeom prst="line">
+            <a:avLst/>
+          </a:prstGeom>
+          <a:ln>
+            <a:solidFill>
+              <a:srgbClr val="3465a4"/>
+            </a:solidFill>
+            <a:tailEnd len="med" type="triangle" w="med"/>
+          </a:ln>
+        </p:spPr>
+        <p:style>
+          <a:lnRef idx="0"/>
+          <a:fillRef idx="0"/>
+          <a:effectRef idx="0"/>
+          <a:fontRef idx="minor"/>
+        </p:style>
+      </p:sp>
+      <p:sp>
+        <p:nvSpPr>
+          <p:cNvPr id="95" name="Line 7"/>
+          <p:cNvSpPr/>
+          <p:nvPr/>
+        </p:nvSpPr>
+        <p:spPr>
+          <a:xfrm>
+            <a:off x="7776000" y="2664000"/>
+            <a:ext cx="0" cy="504000"/>
+          </a:xfrm>
+          <a:prstGeom prst="line">
+            <a:avLst/>
+          </a:prstGeom>
+          <a:ln>
+            <a:solidFill>
+              <a:srgbClr val="3465a4"/>
+            </a:solidFill>
+          </a:ln>
+        </p:spPr>
+        <p:style>
+          <a:lnRef idx="0"/>
+          <a:fillRef idx="0"/>
+          <a:effectRef idx="0"/>
+          <a:fontRef idx="minor"/>
+        </p:style>
+      </p:sp>
+      <p:sp>
+        <p:nvSpPr>
+          <p:cNvPr id="96" name="Line 8"/>
+          <p:cNvSpPr/>
+          <p:nvPr/>
+        </p:nvSpPr>
+        <p:spPr>
+          <a:xfrm flipH="1">
+            <a:off x="1584000" y="3168000"/>
+            <a:ext cx="6192000" cy="0"/>
+          </a:xfrm>
+          <a:prstGeom prst="line">
+            <a:avLst/>
+          </a:prstGeom>
+          <a:ln>
+            <a:solidFill>
+              <a:srgbClr val="3465a4"/>
+            </a:solidFill>
+          </a:ln>
+        </p:spPr>
+        <p:style>
+          <a:lnRef idx="0"/>
+          <a:fillRef idx="0"/>
+          <a:effectRef idx="0"/>
+          <a:fontRef idx="minor"/>
+        </p:style>
+      </p:sp>
+      <p:sp>
+        <p:nvSpPr>
+          <p:cNvPr id="97" name="Line 9"/>
+          <p:cNvSpPr/>
+          <p:nvPr/>
+        </p:nvSpPr>
+        <p:spPr>
+          <a:xfrm flipV="1">
+            <a:off x="1584000" y="2664000"/>
+            <a:ext cx="0" cy="504000"/>
+          </a:xfrm>
+          <a:prstGeom prst="line">
+            <a:avLst/>
+          </a:prstGeom>
+          <a:ln>
+            <a:solidFill>
+              <a:srgbClr val="3465a4"/>
+            </a:solidFill>
+            <a:tailEnd len="med" type="triangle" w="med"/>
+          </a:ln>
+        </p:spPr>
+        <p:style>
+          <a:lnRef idx="0"/>
+          <a:fillRef idx="0"/>
+          <a:effectRef idx="0"/>
+          <a:fontRef idx="minor"/>
+        </p:style>
+      </p:sp>
+      <p:sp>
+        <p:nvSpPr>
+          <p:cNvPr id="98" name="TextShape 10"/>
           <p:cNvSpPr txBox="1"/>
           <p:nvPr/>
         </p:nvSpPr>
         <p:spPr>
           <a:xfrm>
-            <a:off x="504000" y="1326600"/>
-            <a:ext cx="9071640" cy="3288240"/>
+            <a:off x="2806560" y="3816000"/>
+            <a:ext cx="3958560" cy="346320"/>
           </a:xfrm>
           <a:prstGeom prst="rect">
             <a:avLst/>
@@ -2637,11 +5490,17 @@
           </a:ln>
         </p:spPr>
         <p:txBody>
-          <a:bodyPr lIns="0" rIns="0" tIns="0" bIns="0">
-            <a:normAutofit/>
-          </a:bodyPr>
-          <a:p>
-            <a:endParaRPr b="0" lang="fr-CH" sz="3200" spc="-1" strike="noStrike">
+          <a:bodyPr lIns="90000" rIns="90000" tIns="45000" bIns="45000">
+            <a:noAutofit/>
+          </a:bodyPr>
+          <a:p>
+            <a:r>
+              <a:rPr b="0" lang="fr-CH" sz="1800" spc="-1" strike="noStrike">
+                <a:latin typeface="Arial"/>
+              </a:rPr>
+              <a:t>Style « standard de développement »</a:t>
+            </a:r>
+            <a:endParaRPr b="0" lang="fr-CH" sz="1800" spc="-1" strike="noStrike">
               <a:latin typeface="Arial"/>
             </a:endParaRPr>
           </a:p>
@@ -2679,7 +5538,7 @@
       </p:grpSpPr>
       <p:sp>
         <p:nvSpPr>
-          <p:cNvPr id="53" name="TextShape 1"/>
+          <p:cNvPr id="99" name="TextShape 1"/>
           <p:cNvSpPr txBox="1"/>
           <p:nvPr/>
         </p:nvSpPr>
@@ -2716,7 +5575,7 @@
       </p:sp>
       <p:sp>
         <p:nvSpPr>
-          <p:cNvPr id="54" name="TextShape 2"/>
+          <p:cNvPr id="100" name="TextShape 2"/>
           <p:cNvSpPr txBox="1"/>
           <p:nvPr/>
         </p:nvSpPr>
@@ -2815,7 +5674,7 @@
       </p:grpSpPr>
       <p:sp>
         <p:nvSpPr>
-          <p:cNvPr id="55" name="TextShape 1"/>
+          <p:cNvPr id="101" name="TextShape 1"/>
           <p:cNvSpPr txBox="1"/>
           <p:nvPr/>
         </p:nvSpPr>
@@ -2852,7 +5711,7 @@
       </p:sp>
       <p:sp>
         <p:nvSpPr>
-          <p:cNvPr id="56" name="TextShape 2"/>
+          <p:cNvPr id="102" name="TextShape 2"/>
           <p:cNvSpPr txBox="1"/>
           <p:nvPr/>
         </p:nvSpPr>
@@ -2943,7 +5802,7 @@
       </p:sp>
       <p:pic>
         <p:nvPicPr>
-          <p:cNvPr id="57" name="Google Shape;124;p21" descr=""/>
+          <p:cNvPr id="103" name="Google Shape;124;p21" descr=""/>
           <p:cNvPicPr/>
           <p:nvPr/>
         </p:nvPicPr>
@@ -2966,7 +5825,7 @@
       </p:pic>
       <p:pic>
         <p:nvPicPr>
-          <p:cNvPr id="58" name="Google Shape;125;p21" descr=""/>
+          <p:cNvPr id="104" name="Google Shape;125;p21" descr=""/>
           <p:cNvPicPr/>
           <p:nvPr/>
         </p:nvPicPr>
@@ -2989,7 +5848,7 @@
       </p:pic>
       <p:sp>
         <p:nvSpPr>
-          <p:cNvPr id="59" name="CustomShape 3"/>
+          <p:cNvPr id="105" name="CustomShape 3"/>
           <p:cNvSpPr/>
           <p:nvPr/>
         </p:nvSpPr>
@@ -3048,7 +5907,7 @@
       </p:sp>
       <p:sp>
         <p:nvSpPr>
-          <p:cNvPr id="60" name="CustomShape 4"/>
+          <p:cNvPr id="106" name="CustomShape 4"/>
           <p:cNvSpPr/>
           <p:nvPr/>
         </p:nvSpPr>
@@ -3107,7 +5966,7 @@
       </p:sp>
       <p:sp>
         <p:nvSpPr>
-          <p:cNvPr id="61" name="CustomShape 5"/>
+          <p:cNvPr id="107" name="CustomShape 5"/>
           <p:cNvSpPr/>
           <p:nvPr/>
         </p:nvSpPr>
@@ -3166,7 +6025,7 @@
       </p:sp>
       <p:pic>
         <p:nvPicPr>
-          <p:cNvPr id="62" name="Google Shape;132;p21" descr=""/>
+          <p:cNvPr id="108" name="Google Shape;132;p21" descr=""/>
           <p:cNvPicPr/>
           <p:nvPr/>
         </p:nvPicPr>
@@ -3189,7 +6048,7 @@
       </p:pic>
       <p:pic>
         <p:nvPicPr>
-          <p:cNvPr id="63" name="Google Shape;133;p21" descr=""/>
+          <p:cNvPr id="109" name="Google Shape;133;p21" descr=""/>
           <p:cNvPicPr/>
           <p:nvPr/>
         </p:nvPicPr>
@@ -3242,7 +6101,7 @@
       </p:grpSpPr>
       <p:sp>
         <p:nvSpPr>
-          <p:cNvPr id="64" name="TextShape 1"/>
+          <p:cNvPr id="110" name="TextShape 1"/>
           <p:cNvSpPr txBox="1"/>
           <p:nvPr/>
         </p:nvSpPr>
@@ -3279,7 +6138,7 @@
       </p:sp>
       <p:sp>
         <p:nvSpPr>
-          <p:cNvPr id="65" name="TextShape 2"/>
+          <p:cNvPr id="111" name="TextShape 2"/>
           <p:cNvSpPr txBox="1"/>
           <p:nvPr/>
         </p:nvSpPr>
@@ -3482,7 +6341,7 @@
       </p:grpSpPr>
       <p:sp>
         <p:nvSpPr>
-          <p:cNvPr id="66" name="TextShape 1"/>
+          <p:cNvPr id="112" name="TextShape 1"/>
           <p:cNvSpPr txBox="1"/>
           <p:nvPr/>
         </p:nvSpPr>
@@ -3519,7 +6378,7 @@
       </p:sp>
       <p:sp>
         <p:nvSpPr>
-          <p:cNvPr id="67" name="TextShape 2"/>
+          <p:cNvPr id="113" name="TextShape 2"/>
           <p:cNvSpPr txBox="1"/>
           <p:nvPr/>
         </p:nvSpPr>
@@ -3684,7 +6543,7 @@
       </p:grpSpPr>
       <p:sp>
         <p:nvSpPr>
-          <p:cNvPr id="68" name="TextShape 1"/>
+          <p:cNvPr id="114" name="TextShape 1"/>
           <p:cNvSpPr txBox="1"/>
           <p:nvPr/>
         </p:nvSpPr>
@@ -3721,7 +6580,7 @@
       </p:sp>
       <p:sp>
         <p:nvSpPr>
-          <p:cNvPr id="69" name="TextShape 2"/>
+          <p:cNvPr id="115" name="TextShape 2"/>
           <p:cNvSpPr txBox="1"/>
           <p:nvPr/>
         </p:nvSpPr>
@@ -3842,7 +6701,7 @@
       </p:grpSpPr>
       <p:sp>
         <p:nvSpPr>
-          <p:cNvPr id="70" name="TextShape 1"/>
+          <p:cNvPr id="116" name="TextShape 1"/>
           <p:cNvSpPr txBox="1"/>
           <p:nvPr/>
         </p:nvSpPr>
@@ -3869,7 +6728,7 @@
               <a:rPr b="0" lang="fr-CH" sz="4400" spc="-1" strike="noStrike">
                 <a:latin typeface="Arial"/>
               </a:rPr>
-              <a:t>Exemple</a:t>
+              <a:t>Exemple simple (1)</a:t>
             </a:r>
             <a:endParaRPr b="0" lang="fr-CH" sz="4400" spc="-1" strike="noStrike">
               <a:latin typeface="Arial"/>
@@ -3879,14 +6738,14 @@
       </p:sp>
       <p:sp>
         <p:nvSpPr>
-          <p:cNvPr id="71" name="TextShape 2"/>
+          <p:cNvPr id="117" name="TextShape 2"/>
           <p:cNvSpPr txBox="1"/>
           <p:nvPr/>
         </p:nvSpPr>
         <p:spPr>
           <a:xfrm>
             <a:off x="504000" y="1326600"/>
-            <a:ext cx="9071640" cy="3288240"/>
+            <a:ext cx="6120000" cy="4217400"/>
           </a:xfrm>
           <a:prstGeom prst="rect">
             <a:avLst/>
@@ -3898,15 +6757,176 @@
         </p:spPr>
         <p:txBody>
           <a:bodyPr lIns="0" rIns="0" tIns="0" bIns="0">
-            <a:normAutofit/>
-          </a:bodyPr>
-          <a:p>
-            <a:endParaRPr b="0" lang="fr-CH" sz="3200" spc="-1" strike="noStrike">
-              <a:latin typeface="Arial"/>
-            </a:endParaRPr>
-          </a:p>
-        </p:txBody>
-      </p:sp>
+            <a:normAutofit fontScale="50000"/>
+          </a:bodyPr>
+          <a:p>
+            <a:pPr marL="432000" indent="-324000">
+              <a:spcBef>
+                <a:spcPts val="1417"/>
+              </a:spcBef>
+              <a:buClr>
+                <a:srgbClr val="000000"/>
+              </a:buClr>
+              <a:buSzPct val="45000"/>
+              <a:buFont typeface="Wingdings" charset="2"/>
+              <a:buChar char=""/>
+            </a:pPr>
+            <a:r>
+              <a:rPr b="0" lang="fr-CH" sz="3200" spc="-1" strike="noStrike">
+                <a:latin typeface="Arial"/>
+              </a:rPr>
+              <a:t>Une fonction simple d’addition</a:t>
+            </a:r>
+            <a:endParaRPr b="0" lang="fr-CH" sz="3200" spc="-1" strike="noStrike">
+              <a:latin typeface="Arial"/>
+            </a:endParaRPr>
+          </a:p>
+          <a:p>
+            <a:pPr marL="432000" indent="-324000">
+              <a:spcBef>
+                <a:spcPts val="1417"/>
+              </a:spcBef>
+              <a:buClr>
+                <a:srgbClr val="000000"/>
+              </a:buClr>
+              <a:buSzPct val="45000"/>
+              <a:buFont typeface="Wingdings" charset="2"/>
+              <a:buChar char=""/>
+            </a:pPr>
+            <a:r>
+              <a:rPr b="0" lang="fr-CH" sz="3200" spc="-1" strike="noStrike">
+                <a:latin typeface="Arial"/>
+              </a:rPr>
+              <a:t>La fonction addition n’est pas définie</a:t>
+            </a:r>
+            <a:endParaRPr b="0" lang="fr-CH" sz="3200" spc="-1" strike="noStrike">
+              <a:latin typeface="Arial"/>
+            </a:endParaRPr>
+          </a:p>
+          <a:p>
+            <a:pPr marL="432000" indent="-324000">
+              <a:spcBef>
+                <a:spcPts val="1417"/>
+              </a:spcBef>
+              <a:buClr>
+                <a:srgbClr val="000000"/>
+              </a:buClr>
+              <a:buSzPct val="45000"/>
+              <a:buFont typeface="Wingdings" charset="2"/>
+              <a:buChar char=""/>
+            </a:pPr>
+            <a:r>
+              <a:rPr b="0" lang="fr-CH" sz="3200" spc="-1" strike="noStrike">
+                <a:latin typeface="Arial"/>
+              </a:rPr>
+              <a:t>Le test est déjà défini (la fonction test_addition()) ; on teste si le résultat donne 5.</a:t>
+            </a:r>
+            <a:endParaRPr b="0" lang="fr-CH" sz="3200" spc="-1" strike="noStrike">
+              <a:latin typeface="Arial"/>
+            </a:endParaRPr>
+          </a:p>
+          <a:p>
+            <a:pPr marL="432000" indent="-324000">
+              <a:spcBef>
+                <a:spcPts val="1417"/>
+              </a:spcBef>
+              <a:buClr>
+                <a:srgbClr val="000000"/>
+              </a:buClr>
+              <a:buSzPct val="45000"/>
+              <a:buFont typeface="Wingdings" charset="2"/>
+              <a:buChar char=""/>
+            </a:pPr>
+            <a:r>
+              <a:rPr b="0" lang="fr-CH" sz="3200" spc="-1" strike="noStrike">
+                <a:latin typeface="Arial"/>
+              </a:rPr>
+              <a:t>Le nom de la fonction commence par test pour que pytest puisse le reconnaître</a:t>
+            </a:r>
+            <a:endParaRPr b="0" lang="fr-CH" sz="3200" spc="-1" strike="noStrike">
+              <a:latin typeface="Arial"/>
+            </a:endParaRPr>
+          </a:p>
+          <a:p>
+            <a:pPr marL="432000" indent="-324000">
+              <a:spcBef>
+                <a:spcPts val="1417"/>
+              </a:spcBef>
+              <a:buClr>
+                <a:srgbClr val="000000"/>
+              </a:buClr>
+              <a:buSzPct val="45000"/>
+              <a:buFont typeface="Wingdings" charset="2"/>
+              <a:buChar char=""/>
+            </a:pPr>
+            <a:r>
+              <a:rPr b="0" lang="fr-CH" sz="3200" spc="-1" strike="noStrike">
+                <a:latin typeface="Arial"/>
+              </a:rPr>
+              <a:t>Le mot clé assert permet de tester si une condition retourne True, sinon le programme va donner une AssertionError.</a:t>
+            </a:r>
+            <a:endParaRPr b="0" lang="fr-CH" sz="3200" spc="-1" strike="noStrike">
+              <a:latin typeface="Arial"/>
+            </a:endParaRPr>
+          </a:p>
+          <a:p>
+            <a:pPr marL="432000" indent="-324000">
+              <a:spcBef>
+                <a:spcPts val="1417"/>
+              </a:spcBef>
+              <a:buClr>
+                <a:srgbClr val="000000"/>
+              </a:buClr>
+              <a:buSzPct val="45000"/>
+              <a:buFont typeface="Wingdings" charset="2"/>
+              <a:buChar char=""/>
+            </a:pPr>
+            <a:endParaRPr b="0" lang="fr-CH" sz="3200" spc="-1" strike="noStrike">
+              <a:latin typeface="Arial"/>
+            </a:endParaRPr>
+          </a:p>
+          <a:p>
+            <a:pPr marL="432000" indent="-324000">
+              <a:spcBef>
+                <a:spcPts val="1417"/>
+              </a:spcBef>
+              <a:buClr>
+                <a:srgbClr val="000000"/>
+              </a:buClr>
+              <a:buSzPct val="45000"/>
+              <a:buFont typeface="Wingdings" charset="2"/>
+              <a:buChar char=""/>
+            </a:pPr>
+            <a:endParaRPr b="0" lang="fr-CH" sz="3200" spc="-1" strike="noStrike">
+              <a:latin typeface="Arial"/>
+            </a:endParaRPr>
+          </a:p>
+        </p:txBody>
+      </p:sp>
+      <p:pic>
+        <p:nvPicPr>
+          <p:cNvPr id="118" name="" descr=""/>
+          <p:cNvPicPr/>
+          <p:nvPr/>
+        </p:nvPicPr>
+        <p:blipFill>
+          <a:blip r:embed="rId1"/>
+          <a:srcRect l="0" t="0" r="44989" b="0"/>
+          <a:stretch/>
+        </p:blipFill>
+        <p:spPr>
+          <a:xfrm>
+            <a:off x="6847560" y="1326240"/>
+            <a:ext cx="2728440" cy="2129760"/>
+          </a:xfrm>
+          <a:prstGeom prst="rect">
+            <a:avLst/>
+          </a:prstGeom>
+          <a:ln>
+            <a:noFill/>
+          </a:ln>
+        </p:spPr>
+      </p:pic>
     </p:spTree>
   </p:cSld>
   <mc:AlternateContent>
@@ -4144,4 +7164,456 @@
     </a:fmtScheme>
   </a:themeElements>
 </a:theme>
+</file>
+
+<file path=ppt/theme/theme2.xml><?xml version="1.0" encoding="utf-8"?>
+<a:theme xmlns:a="http://schemas.openxmlformats.org/drawingml/2006/main" name="Office Theme">
+  <a:themeElements>
+    <a:clrScheme name="Office">
+      <a:dk1>
+        <a:sysClr val="windowText" lastClr="000000"/>
+      </a:dk1>
+      <a:lt1>
+        <a:sysClr val="window" lastClr="FFFFFF"/>
+      </a:lt1>
+      <a:dk2>
+        <a:srgbClr val="1f497d"/>
+      </a:dk2>
+      <a:lt2>
+        <a:srgbClr val="eeece1"/>
+      </a:lt2>
+      <a:accent1>
+        <a:srgbClr val="4f81bd"/>
+      </a:accent1>
+      <a:accent2>
+        <a:srgbClr val="c0504d"/>
+      </a:accent2>
+      <a:accent3>
+        <a:srgbClr val="9bbb59"/>
+      </a:accent3>
+      <a:accent4>
+        <a:srgbClr val="8064a2"/>
+      </a:accent4>
+      <a:accent5>
+        <a:srgbClr val="4bacc6"/>
+      </a:accent5>
+      <a:accent6>
+        <a:srgbClr val="f79646"/>
+      </a:accent6>
+      <a:hlink>
+        <a:srgbClr val="0000ff"/>
+      </a:hlink>
+      <a:folHlink>
+        <a:srgbClr val="800080"/>
+      </a:folHlink>
+    </a:clrScheme>
+    <a:fontScheme name="Office">
+      <a:majorFont>
+        <a:latin typeface="Arial"/>
+        <a:ea typeface="DejaVu Sans"/>
+        <a:cs typeface="DejaVu Sans"/>
+      </a:majorFont>
+      <a:minorFont>
+        <a:latin typeface="Arial"/>
+        <a:ea typeface="DejaVu Sans"/>
+        <a:cs typeface="DejaVu Sans"/>
+      </a:minorFont>
+    </a:fontScheme>
+    <a:fmtScheme name="Office">
+      <a:fillStyleLst>
+        <a:solidFill>
+          <a:schemeClr val="phClr"/>
+        </a:solidFill>
+        <a:gradFill rotWithShape="1">
+          <a:gsLst>
+            <a:gs pos="0">
+              <a:schemeClr val="phClr">
+                <a:tint val="50000"/>
+                <a:satMod val="300000"/>
+              </a:schemeClr>
+            </a:gs>
+            <a:gs pos="35000">
+              <a:schemeClr val="phClr">
+                <a:tint val="37000"/>
+                <a:satMod val="300000"/>
+              </a:schemeClr>
+            </a:gs>
+            <a:gs pos="100000">
+              <a:schemeClr val="phClr">
+                <a:tint val="15000"/>
+                <a:satMod val="350000"/>
+              </a:schemeClr>
+            </a:gs>
+          </a:gsLst>
+          <a:lin ang="16200000" scaled="1"/>
+        </a:gradFill>
+        <a:gradFill rotWithShape="1">
+          <a:gsLst>
+            <a:gs pos="0">
+              <a:schemeClr val="phClr">
+                <a:shade val="51000"/>
+                <a:satMod val="130000"/>
+              </a:schemeClr>
+            </a:gs>
+            <a:gs pos="80000">
+              <a:schemeClr val="phClr">
+                <a:shade val="93000"/>
+                <a:satMod val="130000"/>
+              </a:schemeClr>
+            </a:gs>
+            <a:gs pos="100000">
+              <a:schemeClr val="phClr">
+                <a:shade val="94000"/>
+                <a:satMod val="135000"/>
+              </a:schemeClr>
+            </a:gs>
+          </a:gsLst>
+          <a:lin ang="16200000" scaled="0"/>
+        </a:gradFill>
+      </a:fillStyleLst>
+      <a:lnStyleLst>
+        <a:ln w="9525" cap="flat" cmpd="sng" algn="ctr">
+          <a:solidFill>
+            <a:schemeClr val="phClr">
+              <a:shade val="95000"/>
+              <a:satMod val="105000"/>
+            </a:schemeClr>
+          </a:solidFill>
+          <a:prstDash val="solid"/>
+          <a:miter/>
+        </a:ln>
+        <a:ln w="25400" cap="flat" cmpd="sng" algn="ctr">
+          <a:solidFill>
+            <a:schemeClr val="phClr"/>
+          </a:solidFill>
+          <a:prstDash val="solid"/>
+          <a:miter/>
+        </a:ln>
+        <a:ln w="38100" cap="flat" cmpd="sng" algn="ctr">
+          <a:solidFill>
+            <a:schemeClr val="phClr"/>
+          </a:solidFill>
+          <a:prstDash val="solid"/>
+          <a:miter/>
+        </a:ln>
+      </a:lnStyleLst>
+      <a:effectStyleLst>
+        <a:effectStyle>
+          <a:effectLst>
+            <a:outerShdw blurRad="40000" dist="20000" dir="5400000" rotWithShape="0">
+              <a:srgbClr val="000000">
+                <a:alpha val="38000"/>
+              </a:srgbClr>
+            </a:outerShdw>
+          </a:effectLst>
+        </a:effectStyle>
+        <a:effectStyle>
+          <a:effectLst>
+            <a:outerShdw blurRad="40000" dist="23000" dir="5400000" rotWithShape="0">
+              <a:srgbClr val="000000">
+                <a:alpha val="35000"/>
+              </a:srgbClr>
+            </a:outerShdw>
+          </a:effectLst>
+        </a:effectStyle>
+        <a:effectStyle>
+          <a:effectLst>
+            <a:outerShdw blurRad="40000" dist="23000" dir="5400000" rotWithShape="0">
+              <a:srgbClr val="000000">
+                <a:alpha val="35000"/>
+              </a:srgbClr>
+            </a:outerShdw>
+          </a:effectLst>
+          <a:scene3d>
+            <a:camera prst="orthographicFront">
+              <a:rot lat="0" lon="0" rev="0"/>
+            </a:camera>
+            <a:lightRig rig="threePt" dir="t">
+              <a:rot lat="0" lon="0" rev="1200000"/>
+            </a:lightRig>
+          </a:scene3d>
+          <a:sp3d>
+            <a:bevelT w="63500" h="25400"/>
+          </a:sp3d>
+        </a:effectStyle>
+      </a:effectStyleLst>
+      <a:bgFillStyleLst>
+        <a:solidFill>
+          <a:schemeClr val="phClr"/>
+        </a:solidFill>
+        <a:gradFill rotWithShape="1">
+          <a:gsLst>
+            <a:gs pos="0">
+              <a:schemeClr val="phClr">
+                <a:tint val="40000"/>
+                <a:satMod val="350000"/>
+              </a:schemeClr>
+            </a:gs>
+            <a:gs pos="40000">
+              <a:schemeClr val="phClr">
+                <a:tint val="45000"/>
+                <a:shade val="99000"/>
+                <a:satMod val="350000"/>
+              </a:schemeClr>
+            </a:gs>
+            <a:gs pos="100000">
+              <a:schemeClr val="phClr">
+                <a:shade val="20000"/>
+                <a:satMod val="255000"/>
+              </a:schemeClr>
+            </a:gs>
+          </a:gsLst>
+          <a:path path="circle">
+            <a:fillToRect l="50000" t="-80000" r="50000" b="180000"/>
+          </a:path>
+        </a:gradFill>
+        <a:gradFill rotWithShape="1">
+          <a:gsLst>
+            <a:gs pos="0">
+              <a:schemeClr val="phClr">
+                <a:tint val="80000"/>
+                <a:satMod val="300000"/>
+              </a:schemeClr>
+            </a:gs>
+            <a:gs pos="100000">
+              <a:schemeClr val="phClr">
+                <a:shade val="30000"/>
+                <a:satMod val="200000"/>
+              </a:schemeClr>
+            </a:gs>
+          </a:gsLst>
+          <a:path path="circle">
+            <a:fillToRect l="50000" t="50000" r="50000" b="50000"/>
+          </a:path>
+        </a:gradFill>
+      </a:bgFillStyleLst>
+    </a:fmtScheme>
+  </a:themeElements>
+</a:theme>
+</file>
+
+<file path=ppt/theme/theme3.xml><?xml version="1.0" encoding="utf-8"?>
+<a:theme xmlns:a="http://schemas.openxmlformats.org/drawingml/2006/main" name="Office Theme">
+  <a:themeElements>
+    <a:clrScheme name="Office">
+      <a:dk1>
+        <a:sysClr val="windowText" lastClr="000000"/>
+      </a:dk1>
+      <a:lt1>
+        <a:sysClr val="window" lastClr="FFFFFF"/>
+      </a:lt1>
+      <a:dk2>
+        <a:srgbClr val="1f497d"/>
+      </a:dk2>
+      <a:lt2>
+        <a:srgbClr val="eeece1"/>
+      </a:lt2>
+      <a:accent1>
+        <a:srgbClr val="4f81bd"/>
+      </a:accent1>
+      <a:accent2>
+        <a:srgbClr val="c0504d"/>
+      </a:accent2>
+      <a:accent3>
+        <a:srgbClr val="9bbb59"/>
+      </a:accent3>
+      <a:accent4>
+        <a:srgbClr val="8064a2"/>
+      </a:accent4>
+      <a:accent5>
+        <a:srgbClr val="4bacc6"/>
+      </a:accent5>
+      <a:accent6>
+        <a:srgbClr val="f79646"/>
+      </a:accent6>
+      <a:hlink>
+        <a:srgbClr val="0000ff"/>
+      </a:hlink>
+      <a:folHlink>
+        <a:srgbClr val="800080"/>
+      </a:folHlink>
+    </a:clrScheme>
+    <a:fontScheme name="Office">
+      <a:majorFont>
+        <a:latin typeface="Arial"/>
+        <a:ea typeface="DejaVu Sans"/>
+        <a:cs typeface="DejaVu Sans"/>
+      </a:majorFont>
+      <a:minorFont>
+        <a:latin typeface="Arial"/>
+        <a:ea typeface="DejaVu Sans"/>
+        <a:cs typeface="DejaVu Sans"/>
+      </a:minorFont>
+    </a:fontScheme>
+    <a:fmtScheme name="Office">
+      <a:fillStyleLst>
+        <a:solidFill>
+          <a:schemeClr val="phClr"/>
+        </a:solidFill>
+        <a:gradFill rotWithShape="1">
+          <a:gsLst>
+            <a:gs pos="0">
+              <a:schemeClr val="phClr">
+                <a:tint val="50000"/>
+                <a:satMod val="300000"/>
+              </a:schemeClr>
+            </a:gs>
+            <a:gs pos="35000">
+              <a:schemeClr val="phClr">
+                <a:tint val="37000"/>
+                <a:satMod val="300000"/>
+              </a:schemeClr>
+            </a:gs>
+            <a:gs pos="100000">
+              <a:schemeClr val="phClr">
+                <a:tint val="15000"/>
+                <a:satMod val="350000"/>
+              </a:schemeClr>
+            </a:gs>
+          </a:gsLst>
+          <a:lin ang="16200000" scaled="1"/>
+        </a:gradFill>
+        <a:gradFill rotWithShape="1">
+          <a:gsLst>
+            <a:gs pos="0">
+              <a:schemeClr val="phClr">
+                <a:shade val="51000"/>
+                <a:satMod val="130000"/>
+              </a:schemeClr>
+            </a:gs>
+            <a:gs pos="80000">
+              <a:schemeClr val="phClr">
+                <a:shade val="93000"/>
+                <a:satMod val="130000"/>
+              </a:schemeClr>
+            </a:gs>
+            <a:gs pos="100000">
+              <a:schemeClr val="phClr">
+                <a:shade val="94000"/>
+                <a:satMod val="135000"/>
+              </a:schemeClr>
+            </a:gs>
+          </a:gsLst>
+          <a:lin ang="16200000" scaled="0"/>
+        </a:gradFill>
+      </a:fillStyleLst>
+      <a:lnStyleLst>
+        <a:ln w="9525" cap="flat" cmpd="sng" algn="ctr">
+          <a:solidFill>
+            <a:schemeClr val="phClr">
+              <a:shade val="95000"/>
+              <a:satMod val="105000"/>
+            </a:schemeClr>
+          </a:solidFill>
+          <a:prstDash val="solid"/>
+          <a:miter/>
+        </a:ln>
+        <a:ln w="25400" cap="flat" cmpd="sng" algn="ctr">
+          <a:solidFill>
+            <a:schemeClr val="phClr"/>
+          </a:solidFill>
+          <a:prstDash val="solid"/>
+          <a:miter/>
+        </a:ln>
+        <a:ln w="38100" cap="flat" cmpd="sng" algn="ctr">
+          <a:solidFill>
+            <a:schemeClr val="phClr"/>
+          </a:solidFill>
+          <a:prstDash val="solid"/>
+          <a:miter/>
+        </a:ln>
+      </a:lnStyleLst>
+      <a:effectStyleLst>
+        <a:effectStyle>
+          <a:effectLst>
+            <a:outerShdw blurRad="40000" dist="20000" dir="5400000" rotWithShape="0">
+              <a:srgbClr val="000000">
+                <a:alpha val="38000"/>
+              </a:srgbClr>
+            </a:outerShdw>
+          </a:effectLst>
+        </a:effectStyle>
+        <a:effectStyle>
+          <a:effectLst>
+            <a:outerShdw blurRad="40000" dist="23000" dir="5400000" rotWithShape="0">
+              <a:srgbClr val="000000">
+                <a:alpha val="35000"/>
+              </a:srgbClr>
+            </a:outerShdw>
+          </a:effectLst>
+        </a:effectStyle>
+        <a:effectStyle>
+          <a:effectLst>
+            <a:outerShdw blurRad="40000" dist="23000" dir="5400000" rotWithShape="0">
+              <a:srgbClr val="000000">
+                <a:alpha val="35000"/>
+              </a:srgbClr>
+            </a:outerShdw>
+          </a:effectLst>
+          <a:scene3d>
+            <a:camera prst="orthographicFront">
+              <a:rot lat="0" lon="0" rev="0"/>
+            </a:camera>
+            <a:lightRig rig="threePt" dir="t">
+              <a:rot lat="0" lon="0" rev="1200000"/>
+            </a:lightRig>
+          </a:scene3d>
+          <a:sp3d>
+            <a:bevelT w="63500" h="25400"/>
+          </a:sp3d>
+        </a:effectStyle>
+      </a:effectStyleLst>
+      <a:bgFillStyleLst>
+        <a:solidFill>
+          <a:schemeClr val="phClr"/>
+        </a:solidFill>
+        <a:gradFill rotWithShape="1">
+          <a:gsLst>
+            <a:gs pos="0">
+              <a:schemeClr val="phClr">
+                <a:tint val="40000"/>
+                <a:satMod val="350000"/>
+              </a:schemeClr>
+            </a:gs>
+            <a:gs pos="40000">
+              <a:schemeClr val="phClr">
+                <a:tint val="45000"/>
+                <a:shade val="99000"/>
+                <a:satMod val="350000"/>
+              </a:schemeClr>
+            </a:gs>
+            <a:gs pos="100000">
+              <a:schemeClr val="phClr">
+                <a:shade val="20000"/>
+                <a:satMod val="255000"/>
+              </a:schemeClr>
+            </a:gs>
+          </a:gsLst>
+          <a:path path="circle">
+            <a:fillToRect l="50000" t="-80000" r="50000" b="180000"/>
+          </a:path>
+        </a:gradFill>
+        <a:gradFill rotWithShape="1">
+          <a:gsLst>
+            <a:gs pos="0">
+              <a:schemeClr val="phClr">
+                <a:tint val="80000"/>
+                <a:satMod val="300000"/>
+              </a:schemeClr>
+            </a:gs>
+            <a:gs pos="100000">
+              <a:schemeClr val="phClr">
+                <a:shade val="30000"/>
+                <a:satMod val="200000"/>
+              </a:schemeClr>
+            </a:gs>
+          </a:gsLst>
+          <a:path path="circle">
+            <a:fillToRect l="50000" t="50000" r="50000" b="50000"/>
+          </a:path>
+        </a:gradFill>
+      </a:bgFillStyleLst>
+    </a:fmtScheme>
+  </a:themeElements>
+</a:theme>
 </file>